--- a/NSD presentation_GIAN.pptx
+++ b/NSD presentation_GIAN.pptx
@@ -5,10 +5,10 @@
     <p:sldMasterId id="2147483648" r:id="rId4"/>
   </p:sldMasterIdLst>
   <p:notesMasterIdLst>
-    <p:notesMasterId r:id="rId17"/>
+    <p:notesMasterId r:id="rId21"/>
   </p:notesMasterIdLst>
   <p:handoutMasterIdLst>
-    <p:handoutMasterId r:id="rId18"/>
+    <p:handoutMasterId r:id="rId22"/>
   </p:handoutMasterIdLst>
   <p:sldIdLst>
     <p:sldId id="256" r:id="rId5"/>
@@ -20,9 +20,13 @@
     <p:sldId id="288" r:id="rId11"/>
     <p:sldId id="293" r:id="rId12"/>
     <p:sldId id="294" r:id="rId13"/>
-    <p:sldId id="295" r:id="rId14"/>
-    <p:sldId id="292" r:id="rId15"/>
-    <p:sldId id="291" r:id="rId16"/>
+    <p:sldId id="298" r:id="rId14"/>
+    <p:sldId id="295" r:id="rId15"/>
+    <p:sldId id="292" r:id="rId16"/>
+    <p:sldId id="296" r:id="rId17"/>
+    <p:sldId id="297" r:id="rId18"/>
+    <p:sldId id="299" r:id="rId19"/>
+    <p:sldId id="301" r:id="rId20"/>
   </p:sldIdLst>
   <p:sldSz cx="12192000" cy="6858000"/>
   <p:notesSz cx="6858000" cy="9144000"/>
@@ -24758,6 +24762,574 @@
                 <a:ea typeface="+mj-ea"/>
                 <a:cs typeface="+mj-cs"/>
               </a:rPr>
+              <a:t>IP</a:t>
+            </a:r>
+            <a:r>
+              <a:rPr lang="it-IT" sz="4000" cap="all" spc="100" dirty="0">
+                <a:solidFill>
+                  <a:schemeClr val="tx1">
+                    <a:lumMod val="95000"/>
+                    <a:lumOff val="5000"/>
+                  </a:schemeClr>
+                </a:solidFill>
+                <a:latin typeface="+mj-lt"/>
+                <a:ea typeface="+mj-ea"/>
+                <a:cs typeface="+mj-cs"/>
+              </a:rPr>
+              <a:t> </a:t>
+            </a:r>
+            <a:r>
+              <a:rPr lang="it-IT" sz="4000" cap="all" spc="100" dirty="0" err="1">
+                <a:solidFill>
+                  <a:schemeClr val="tx1">
+                    <a:lumMod val="95000"/>
+                    <a:lumOff val="5000"/>
+                  </a:schemeClr>
+                </a:solidFill>
+                <a:latin typeface="+mj-lt"/>
+                <a:ea typeface="+mj-ea"/>
+                <a:cs typeface="+mj-cs"/>
+              </a:rPr>
+              <a:t>Configuration</a:t>
+            </a:r>
+            <a:r>
+              <a:rPr lang="it-IT" sz="4000" cap="all" spc="100" dirty="0">
+                <a:solidFill>
+                  <a:schemeClr val="tx1">
+                    <a:lumMod val="95000"/>
+                    <a:lumOff val="5000"/>
+                  </a:schemeClr>
+                </a:solidFill>
+                <a:latin typeface="+mj-lt"/>
+                <a:ea typeface="+mj-ea"/>
+                <a:cs typeface="+mj-cs"/>
+              </a:rPr>
+              <a:t> (2)</a:t>
+            </a:r>
+            <a:r>
+              <a:rPr lang="it-IT" sz="4000" kern="1200" cap="all" spc="100" baseline="0" dirty="0">
+                <a:solidFill>
+                  <a:schemeClr val="tx1">
+                    <a:lumMod val="95000"/>
+                    <a:lumOff val="5000"/>
+                  </a:schemeClr>
+                </a:solidFill>
+                <a:latin typeface="+mj-lt"/>
+                <a:ea typeface="+mj-ea"/>
+                <a:cs typeface="+mj-cs"/>
+              </a:rPr>
+              <a:t>​</a:t>
+            </a:r>
+          </a:p>
+        </p:txBody>
+      </p:sp>
+      <p:sp>
+        <p:nvSpPr>
+          <p:cNvPr id="7" name="Fumetto: rettangolo con angoli arrotondati 6">
+            <a:extLst>
+              <a:ext uri="{FF2B5EF4-FFF2-40B4-BE49-F238E27FC236}">
+                <a16:creationId xmlns:a16="http://schemas.microsoft.com/office/drawing/2014/main" id="{BB1A8371-4B73-A9E7-4F50-BE59657A3F2D}"/>
+              </a:ext>
+            </a:extLst>
+          </p:cNvPr>
+          <p:cNvSpPr/>
+          <p:nvPr/>
+        </p:nvSpPr>
+        <p:spPr>
+          <a:xfrm>
+            <a:off x="1024128" y="3616960"/>
+            <a:ext cx="3176506" cy="2951481"/>
+          </a:xfrm>
+          <a:prstGeom prst="wedgeRoundRectCallout">
+            <a:avLst>
+              <a:gd name="adj1" fmla="val 95950"/>
+              <a:gd name="adj2" fmla="val -38611"/>
+              <a:gd name="adj3" fmla="val 16667"/>
+            </a:avLst>
+          </a:prstGeom>
+          <a:solidFill>
+            <a:schemeClr val="tx1">
+              <a:lumMod val="95000"/>
+              <a:lumOff val="5000"/>
+            </a:schemeClr>
+          </a:solidFill>
+        </p:spPr>
+        <p:style>
+          <a:lnRef idx="2">
+            <a:schemeClr val="accent1">
+              <a:shade val="50000"/>
+            </a:schemeClr>
+          </a:lnRef>
+          <a:fillRef idx="1">
+            <a:schemeClr val="accent1"/>
+          </a:fillRef>
+          <a:effectRef idx="0">
+            <a:schemeClr val="accent1"/>
+          </a:effectRef>
+          <a:fontRef idx="minor">
+            <a:schemeClr val="lt1"/>
+          </a:fontRef>
+        </p:style>
+        <p:txBody>
+          <a:bodyPr rtlCol="0" anchor="ctr"/>
+          <a:lstStyle/>
+          <a:p>
+            <a:r>
+              <a:rPr lang="en-US" dirty="0"/>
+              <a:t>interface GigabitEthernet0/0</a:t>
+            </a:r>
+          </a:p>
+          <a:p>
+            <a:r>
+              <a:rPr lang="en-US" dirty="0">
+                <a:solidFill>
+                  <a:schemeClr val="bg1"/>
+                </a:solidFill>
+              </a:rPr>
+              <a:t> </a:t>
+            </a:r>
+            <a:r>
+              <a:rPr lang="en-US" dirty="0" err="1">
+                <a:solidFill>
+                  <a:schemeClr val="bg1"/>
+                </a:solidFill>
+              </a:rPr>
+              <a:t>mpls</a:t>
+            </a:r>
+            <a:r>
+              <a:rPr lang="en-US" dirty="0">
+                <a:solidFill>
+                  <a:schemeClr val="bg1"/>
+                </a:solidFill>
+              </a:rPr>
+              <a:t> </a:t>
+            </a:r>
+            <a:r>
+              <a:rPr lang="en-US" dirty="0" err="1">
+                <a:solidFill>
+                  <a:schemeClr val="bg1"/>
+                </a:solidFill>
+              </a:rPr>
+              <a:t>ip</a:t>
+            </a:r>
+            <a:endParaRPr lang="en-US" dirty="0">
+              <a:solidFill>
+                <a:schemeClr val="bg1"/>
+              </a:solidFill>
+            </a:endParaRPr>
+          </a:p>
+          <a:p>
+            <a:r>
+              <a:rPr lang="en-US" dirty="0">
+                <a:solidFill>
+                  <a:schemeClr val="bg1"/>
+                </a:solidFill>
+              </a:rPr>
+              <a:t>!</a:t>
+            </a:r>
+          </a:p>
+          <a:p>
+            <a:r>
+              <a:rPr lang="en-US" dirty="0">
+                <a:solidFill>
+                  <a:schemeClr val="bg1"/>
+                </a:solidFill>
+              </a:rPr>
+              <a:t>interface GigabitEthernet1/0</a:t>
+            </a:r>
+          </a:p>
+          <a:p>
+            <a:r>
+              <a:rPr lang="en-US" dirty="0">
+                <a:solidFill>
+                  <a:schemeClr val="bg1"/>
+                </a:solidFill>
+              </a:rPr>
+              <a:t> </a:t>
+            </a:r>
+            <a:r>
+              <a:rPr lang="en-US" dirty="0" err="1">
+                <a:solidFill>
+                  <a:schemeClr val="bg1"/>
+                </a:solidFill>
+              </a:rPr>
+              <a:t>mpls</a:t>
+            </a:r>
+            <a:r>
+              <a:rPr lang="en-US" dirty="0">
+                <a:solidFill>
+                  <a:schemeClr val="bg1"/>
+                </a:solidFill>
+              </a:rPr>
+              <a:t> </a:t>
+            </a:r>
+            <a:r>
+              <a:rPr lang="en-US" dirty="0" err="1">
+                <a:solidFill>
+                  <a:schemeClr val="bg1"/>
+                </a:solidFill>
+              </a:rPr>
+              <a:t>ip</a:t>
+            </a:r>
+            <a:endParaRPr lang="en-US" dirty="0">
+              <a:solidFill>
+                <a:schemeClr val="bg1"/>
+              </a:solidFill>
+            </a:endParaRPr>
+          </a:p>
+          <a:p>
+            <a:r>
+              <a:rPr lang="en-US" dirty="0">
+                <a:solidFill>
+                  <a:schemeClr val="bg1"/>
+                </a:solidFill>
+              </a:rPr>
+              <a:t>!</a:t>
+            </a:r>
+          </a:p>
+          <a:p>
+            <a:r>
+              <a:rPr lang="en-US" dirty="0">
+                <a:solidFill>
+                  <a:schemeClr val="bg1"/>
+                </a:solidFill>
+              </a:rPr>
+              <a:t>interface GigabitEthernet2/0</a:t>
+            </a:r>
+          </a:p>
+          <a:p>
+            <a:r>
+              <a:rPr lang="en-US" dirty="0">
+                <a:solidFill>
+                  <a:schemeClr val="bg1"/>
+                </a:solidFill>
+              </a:rPr>
+              <a:t> </a:t>
+            </a:r>
+            <a:r>
+              <a:rPr lang="en-US" dirty="0" err="1">
+                <a:solidFill>
+                  <a:schemeClr val="bg1"/>
+                </a:solidFill>
+              </a:rPr>
+              <a:t>mpls</a:t>
+            </a:r>
+            <a:r>
+              <a:rPr lang="en-US" dirty="0">
+                <a:solidFill>
+                  <a:schemeClr val="bg1"/>
+                </a:solidFill>
+              </a:rPr>
+              <a:t> </a:t>
+            </a:r>
+            <a:r>
+              <a:rPr lang="en-US" dirty="0" err="1">
+                <a:solidFill>
+                  <a:schemeClr val="bg1"/>
+                </a:solidFill>
+              </a:rPr>
+              <a:t>ip</a:t>
+            </a:r>
+            <a:endParaRPr lang="en-US" dirty="0">
+              <a:solidFill>
+                <a:schemeClr val="bg1"/>
+              </a:solidFill>
+            </a:endParaRPr>
+          </a:p>
+          <a:p>
+            <a:r>
+              <a:rPr lang="en-US" dirty="0">
+                <a:solidFill>
+                  <a:schemeClr val="bg1"/>
+                </a:solidFill>
+              </a:rPr>
+              <a:t>!</a:t>
+            </a:r>
+          </a:p>
+        </p:txBody>
+      </p:sp>
+      <p:sp>
+        <p:nvSpPr>
+          <p:cNvPr id="8" name="Fumetto: rettangolo con angoli arrotondati 7">
+            <a:extLst>
+              <a:ext uri="{FF2B5EF4-FFF2-40B4-BE49-F238E27FC236}">
+                <a16:creationId xmlns:a16="http://schemas.microsoft.com/office/drawing/2014/main" id="{5F6F28FE-53F4-2D46-28DB-FCF8DC04712C}"/>
+              </a:ext>
+            </a:extLst>
+          </p:cNvPr>
+          <p:cNvSpPr/>
+          <p:nvPr/>
+        </p:nvSpPr>
+        <p:spPr>
+          <a:xfrm>
+            <a:off x="7991368" y="4607560"/>
+            <a:ext cx="3119120" cy="1473201"/>
+          </a:xfrm>
+          <a:prstGeom prst="wedgeRoundRectCallout">
+            <a:avLst>
+              <a:gd name="adj1" fmla="val 974"/>
+              <a:gd name="adj2" fmla="val -94374"/>
+              <a:gd name="adj3" fmla="val 16667"/>
+            </a:avLst>
+          </a:prstGeom>
+          <a:solidFill>
+            <a:schemeClr val="tx1">
+              <a:lumMod val="95000"/>
+              <a:lumOff val="5000"/>
+            </a:schemeClr>
+          </a:solidFill>
+        </p:spPr>
+        <p:style>
+          <a:lnRef idx="2">
+            <a:schemeClr val="accent1">
+              <a:shade val="50000"/>
+            </a:schemeClr>
+          </a:lnRef>
+          <a:fillRef idx="1">
+            <a:schemeClr val="accent1"/>
+          </a:fillRef>
+          <a:effectRef idx="0">
+            <a:schemeClr val="accent1"/>
+          </a:effectRef>
+          <a:fontRef idx="minor">
+            <a:schemeClr val="lt1"/>
+          </a:fontRef>
+        </p:style>
+        <p:txBody>
+          <a:bodyPr rtlCol="0" anchor="ctr"/>
+          <a:lstStyle/>
+          <a:p>
+            <a:r>
+              <a:rPr lang="en-US" dirty="0">
+                <a:solidFill>
+                  <a:schemeClr val="bg1"/>
+                </a:solidFill>
+              </a:rPr>
+              <a:t>interface GigabitEthernet1/0</a:t>
+            </a:r>
+          </a:p>
+          <a:p>
+            <a:r>
+              <a:rPr lang="en-US" dirty="0">
+                <a:solidFill>
+                  <a:schemeClr val="bg1"/>
+                </a:solidFill>
+              </a:rPr>
+              <a:t> </a:t>
+            </a:r>
+            <a:r>
+              <a:rPr lang="en-US" dirty="0" err="1">
+                <a:solidFill>
+                  <a:schemeClr val="bg1"/>
+                </a:solidFill>
+              </a:rPr>
+              <a:t>mpls</a:t>
+            </a:r>
+            <a:r>
+              <a:rPr lang="en-US" dirty="0">
+                <a:solidFill>
+                  <a:schemeClr val="bg1"/>
+                </a:solidFill>
+              </a:rPr>
+              <a:t> </a:t>
+            </a:r>
+            <a:r>
+              <a:rPr lang="en-US" dirty="0" err="1">
+                <a:solidFill>
+                  <a:schemeClr val="bg1"/>
+                </a:solidFill>
+              </a:rPr>
+              <a:t>ip</a:t>
+            </a:r>
+            <a:endParaRPr lang="en-US" dirty="0">
+              <a:solidFill>
+                <a:schemeClr val="bg1"/>
+              </a:solidFill>
+            </a:endParaRPr>
+          </a:p>
+          <a:p>
+            <a:r>
+              <a:rPr lang="en-US" dirty="0">
+                <a:solidFill>
+                  <a:schemeClr val="bg1"/>
+                </a:solidFill>
+              </a:rPr>
+              <a:t>!</a:t>
+            </a:r>
+          </a:p>
+        </p:txBody>
+      </p:sp>
+    </p:spTree>
+    <p:extLst>
+      <p:ext uri="{BB962C8B-B14F-4D97-AF65-F5344CB8AC3E}">
+        <p14:creationId xmlns:p14="http://schemas.microsoft.com/office/powerpoint/2010/main" val="2504667631"/>
+      </p:ext>
+    </p:extLst>
+  </p:cSld>
+  <p:clrMapOvr>
+    <a:masterClrMapping/>
+  </p:clrMapOvr>
+</p:sld>
+</file>
+
+<file path=ppt/slides/slide11.xml><?xml version="1.0" encoding="utf-8"?>
+<p:sld xmlns:a="http://schemas.openxmlformats.org/drawingml/2006/main" xmlns:r="http://schemas.openxmlformats.org/officeDocument/2006/relationships" xmlns:p="http://schemas.openxmlformats.org/presentationml/2006/main">
+  <p:cSld>
+    <p:spTree>
+      <p:nvGrpSpPr>
+        <p:cNvPr id="1" name=""/>
+        <p:cNvGrpSpPr/>
+        <p:nvPr/>
+      </p:nvGrpSpPr>
+      <p:grpSpPr>
+        <a:xfrm>
+          <a:off x="0" y="0"/>
+          <a:ext cx="0" cy="0"/>
+          <a:chOff x="0" y="0"/>
+          <a:chExt cx="0" cy="0"/>
+        </a:xfrm>
+      </p:grpSpPr>
+      <p:pic>
+        <p:nvPicPr>
+          <p:cNvPr id="3" name="Immagine 3">
+            <a:extLst>
+              <a:ext uri="{FF2B5EF4-FFF2-40B4-BE49-F238E27FC236}">
+                <a16:creationId xmlns:a16="http://schemas.microsoft.com/office/drawing/2014/main" id="{D5C65AFE-435F-EBFA-A454-F3A003E02DF8}"/>
+              </a:ext>
+            </a:extLst>
+          </p:cNvPr>
+          <p:cNvPicPr>
+            <a:picLocks noChangeAspect="1"/>
+          </p:cNvPicPr>
+          <p:nvPr/>
+        </p:nvPicPr>
+        <p:blipFill>
+          <a:blip r:embed="rId2"/>
+          <a:srcRect/>
+          <a:stretch/>
+        </p:blipFill>
+        <p:spPr>
+          <a:xfrm>
+            <a:off x="1808479" y="1412239"/>
+            <a:ext cx="9144001" cy="5020888"/>
+          </a:xfrm>
+          <a:prstGeom prst="rect">
+            <a:avLst/>
+          </a:prstGeom>
+          <a:noFill/>
+        </p:spPr>
+      </p:pic>
+      <p:sp>
+        <p:nvSpPr>
+          <p:cNvPr id="2" name="CasellaDiTesto 1">
+            <a:extLst>
+              <a:ext uri="{FF2B5EF4-FFF2-40B4-BE49-F238E27FC236}">
+                <a16:creationId xmlns:a16="http://schemas.microsoft.com/office/drawing/2014/main" id="{9629F5B1-EC69-A92F-80B0-6FD8F0264186}"/>
+              </a:ext>
+            </a:extLst>
+          </p:cNvPr>
+          <p:cNvSpPr txBox="1"/>
+          <p:nvPr/>
+        </p:nvSpPr>
+        <p:spPr>
+          <a:xfrm>
+            <a:off x="1024128" y="424873"/>
+            <a:ext cx="4389120" cy="1783996"/>
+          </a:xfrm>
+          <a:prstGeom prst="rect">
+            <a:avLst/>
+          </a:prstGeom>
+        </p:spPr>
+        <p:txBody>
+          <a:bodyPr rot="0" spcFirstLastPara="0" vertOverflow="overflow" horzOverflow="overflow" vert="horz" lIns="91440" tIns="45720" rIns="91440" bIns="45720" numCol="1" spcCol="0" rtlCol="0" fromWordArt="0" anchor="ctr" anchorCtr="0" forceAA="0" compatLnSpc="1">
+            <a:prstTxWarp prst="textNoShape">
+              <a:avLst/>
+            </a:prstTxWarp>
+            <a:normAutofit/>
+          </a:bodyPr>
+          <a:lstStyle/>
+          <a:p>
+            <a:pPr algn="ctr" defTabSz="914400">
+              <a:lnSpc>
+                <a:spcPct val="80000"/>
+              </a:lnSpc>
+              <a:spcBef>
+                <a:spcPct val="0"/>
+              </a:spcBef>
+              <a:spcAft>
+                <a:spcPts val="600"/>
+              </a:spcAft>
+            </a:pPr>
+            <a:r>
+              <a:rPr lang="it-IT" sz="4000" kern="1200" cap="all" spc="100" baseline="0" dirty="0">
+                <a:solidFill>
+                  <a:schemeClr val="tx1">
+                    <a:lumMod val="95000"/>
+                    <a:lumOff val="5000"/>
+                  </a:schemeClr>
+                </a:solidFill>
+                <a:latin typeface="+mj-lt"/>
+                <a:ea typeface="+mj-ea"/>
+                <a:cs typeface="+mj-cs"/>
+              </a:rPr>
+              <a:t>​</a:t>
+            </a:r>
+          </a:p>
+        </p:txBody>
+      </p:sp>
+      <p:sp>
+        <p:nvSpPr>
+          <p:cNvPr id="4" name="CasellaDiTesto 3">
+            <a:extLst>
+              <a:ext uri="{FF2B5EF4-FFF2-40B4-BE49-F238E27FC236}">
+                <a16:creationId xmlns:a16="http://schemas.microsoft.com/office/drawing/2014/main" id="{617C8522-E59A-B609-656C-B197274B2FB4}"/>
+              </a:ext>
+            </a:extLst>
+          </p:cNvPr>
+          <p:cNvSpPr txBox="1"/>
+          <p:nvPr/>
+        </p:nvSpPr>
+        <p:spPr>
+          <a:xfrm>
+            <a:off x="1024128" y="424873"/>
+            <a:ext cx="4389120" cy="1783996"/>
+          </a:xfrm>
+          <a:prstGeom prst="rect">
+            <a:avLst/>
+          </a:prstGeom>
+        </p:spPr>
+        <p:txBody>
+          <a:bodyPr rot="0" spcFirstLastPara="0" vertOverflow="overflow" horzOverflow="overflow" vert="horz" lIns="91440" tIns="45720" rIns="91440" bIns="45720" numCol="1" spcCol="0" rtlCol="0" fromWordArt="0" anchor="ctr" anchorCtr="0" forceAA="0" compatLnSpc="1">
+            <a:prstTxWarp prst="textNoShape">
+              <a:avLst/>
+            </a:prstTxWarp>
+            <a:normAutofit/>
+          </a:bodyPr>
+          <a:lstStyle/>
+          <a:p>
+            <a:pPr defTabSz="914400">
+              <a:lnSpc>
+                <a:spcPct val="80000"/>
+              </a:lnSpc>
+              <a:spcBef>
+                <a:spcPct val="0"/>
+              </a:spcBef>
+              <a:spcAft>
+                <a:spcPts val="600"/>
+              </a:spcAft>
+            </a:pPr>
+            <a:r>
+              <a:rPr lang="it-IT" sz="4000" kern="1200" cap="all" spc="100" baseline="0" dirty="0">
+                <a:solidFill>
+                  <a:schemeClr val="tx1">
+                    <a:lumMod val="95000"/>
+                    <a:lumOff val="5000"/>
+                  </a:schemeClr>
+                </a:solidFill>
+                <a:latin typeface="+mj-lt"/>
+                <a:ea typeface="+mj-ea"/>
+                <a:cs typeface="+mj-cs"/>
+              </a:rPr>
               <a:t>OSPF</a:t>
             </a:r>
             <a:r>
@@ -24819,13 +25391,13 @@
         </p:nvSpPr>
         <p:spPr>
           <a:xfrm flipH="1">
-            <a:off x="7315233" y="4568139"/>
-            <a:ext cx="3342607" cy="1755241"/>
+            <a:off x="7315230" y="4745429"/>
+            <a:ext cx="3467589" cy="1577951"/>
           </a:xfrm>
           <a:prstGeom prst="wedgeRoundRectCallout">
             <a:avLst>
-              <a:gd name="adj1" fmla="val 88266"/>
-              <a:gd name="adj2" fmla="val 8657"/>
+              <a:gd name="adj1" fmla="val 88852"/>
+              <a:gd name="adj2" fmla="val 3506"/>
               <a:gd name="adj3" fmla="val 16667"/>
             </a:avLst>
           </a:prstGeom>
@@ -25083,8 +25655,8 @@
         </p:nvSpPr>
         <p:spPr>
           <a:xfrm flipH="1">
-            <a:off x="7700281" y="1234948"/>
-            <a:ext cx="3342607" cy="1755241"/>
+            <a:off x="7700279" y="1412239"/>
+            <a:ext cx="3467591" cy="1577950"/>
           </a:xfrm>
           <a:prstGeom prst="wedgeRoundRectCallout">
             <a:avLst>
@@ -25166,7 +25738,7 @@
 </p:sld>
 </file>
 
-<file path=ppt/slides/slide11.xml><?xml version="1.0" encoding="utf-8"?>
+<file path=ppt/slides/slide12.xml><?xml version="1.0" encoding="utf-8"?>
 <p:sld xmlns:a="http://schemas.openxmlformats.org/drawingml/2006/main" xmlns:r="http://schemas.openxmlformats.org/officeDocument/2006/relationships" xmlns:p="http://schemas.openxmlformats.org/presentationml/2006/main">
   <p:cSld>
     <p:spTree>
@@ -25364,7 +25936,7 @@
 </p:sld>
 </file>
 
-<file path=ppt/slides/slide12.xml><?xml version="1.0" encoding="utf-8"?>
+<file path=ppt/slides/slide13.xml><?xml version="1.0" encoding="utf-8"?>
 <p:sld xmlns:a="http://schemas.openxmlformats.org/drawingml/2006/main" xmlns:r="http://schemas.openxmlformats.org/officeDocument/2006/relationships" xmlns:p="http://schemas.openxmlformats.org/presentationml/2006/main">
   <p:cSld>
     <p:spTree>
@@ -25402,8 +25974,8 @@
         </p:blipFill>
         <p:spPr>
           <a:xfrm>
-            <a:off x="822960" y="831273"/>
-            <a:ext cx="10570465" cy="5292436"/>
+            <a:off x="5049520" y="277317"/>
+            <a:ext cx="6118353" cy="6155810"/>
           </a:xfrm>
           <a:prstGeom prst="rect">
             <a:avLst/>
@@ -25425,8 +25997,8 @@
         </p:nvSpPr>
         <p:spPr>
           <a:xfrm>
-            <a:off x="1024128" y="424873"/>
-            <a:ext cx="4389120" cy="1783996"/>
+            <a:off x="1024127" y="424873"/>
+            <a:ext cx="4735541" cy="2165927"/>
           </a:xfrm>
           <a:prstGeom prst="rect">
             <a:avLst/>
@@ -25441,7 +26013,7 @@
           </a:bodyPr>
           <a:lstStyle/>
           <a:p>
-            <a:pPr algn="ctr" defTabSz="914400">
+            <a:pPr defTabSz="914400">
               <a:lnSpc>
                 <a:spcPct val="80000"/>
               </a:lnSpc>
@@ -25464,17 +26036,42 @@
                 <a:ea typeface="+mj-ea"/>
                 <a:cs typeface="+mj-cs"/>
               </a:rPr>
-              <a:t>​</a:t>
-            </a:r>
+              <a:t>IP </a:t>
+            </a:r>
+            <a:r>
+              <a:rPr lang="it-IT" sz="4000" kern="1200" cap="all" spc="100" baseline="0" dirty="0" err="1">
+                <a:solidFill>
+                  <a:schemeClr val="tx1">
+                    <a:lumMod val="95000"/>
+                    <a:lumOff val="5000"/>
+                  </a:schemeClr>
+                </a:solidFill>
+                <a:latin typeface="+mj-lt"/>
+                <a:ea typeface="+mj-ea"/>
+                <a:cs typeface="+mj-cs"/>
+              </a:rPr>
+              <a:t>configuration</a:t>
+            </a:r>
+            <a:endParaRPr lang="it-IT" sz="3200" kern="1200" cap="all" spc="100" baseline="0" dirty="0">
+              <a:solidFill>
+                <a:schemeClr val="tx1">
+                  <a:lumMod val="95000"/>
+                  <a:lumOff val="5000"/>
+                </a:schemeClr>
+              </a:solidFill>
+              <a:latin typeface="+mj-lt"/>
+              <a:ea typeface="+mj-ea"/>
+              <a:cs typeface="+mj-cs"/>
+            </a:endParaRPr>
           </a:p>
         </p:txBody>
       </p:sp>
       <p:sp>
         <p:nvSpPr>
-          <p:cNvPr id="9" name="Fumetto: rettangolo con angoli arrotondati 8">
+          <p:cNvPr id="4" name="Fumetto: rettangolo con angoli arrotondati 3">
             <a:extLst>
               <a:ext uri="{FF2B5EF4-FFF2-40B4-BE49-F238E27FC236}">
-                <a16:creationId xmlns:a16="http://schemas.microsoft.com/office/drawing/2014/main" id="{491B3428-733E-B0C9-B916-7CC3F9656A57}"/>
+                <a16:creationId xmlns:a16="http://schemas.microsoft.com/office/drawing/2014/main" id="{34207F43-B0D8-82B9-D1B0-000D8F26FAD0}"/>
               </a:ext>
             </a:extLst>
           </p:cNvPr>
@@ -25483,13 +26080,13 @@
         </p:nvSpPr>
         <p:spPr>
           <a:xfrm>
-            <a:off x="2153875" y="2208869"/>
-            <a:ext cx="3850686" cy="3065556"/>
+            <a:off x="7299852" y="2152419"/>
+            <a:ext cx="3931920" cy="2553162"/>
           </a:xfrm>
           <a:prstGeom prst="wedgeRoundRectCallout">
             <a:avLst>
-              <a:gd name="adj1" fmla="val -65525"/>
-              <a:gd name="adj2" fmla="val 235"/>
+              <a:gd name="adj1" fmla="val -37249"/>
+              <a:gd name="adj2" fmla="val -77230"/>
               <a:gd name="adj3" fmla="val 16667"/>
             </a:avLst>
           </a:prstGeom>
@@ -25522,67 +26119,67 @@
           <a:p>
             <a:r>
               <a:rPr lang="en-US" dirty="0"/>
-              <a:t>router </a:t>
-            </a:r>
+              <a:t>interface GigabitEthernet1/0</a:t>
+            </a:r>
+          </a:p>
+          <a:p>
             <a:r>
               <a:rPr lang="en-US" dirty="0" err="1"/>
-              <a:t>bgp</a:t>
+              <a:t>ip</a:t>
             </a:r>
             <a:r>
               <a:rPr lang="en-US" dirty="0"/>
-              <a:t> 100</a:t>
+              <a:t> address 6.5.1.1 255.255.255.0</a:t>
             </a:r>
           </a:p>
           <a:p>
             <a:r>
               <a:rPr lang="en-US" dirty="0"/>
-              <a:t> network 1.0.0.0 mask 255.0.0.0 route-map comm</a:t>
+              <a:t>no shutdown</a:t>
             </a:r>
           </a:p>
           <a:p>
             <a:r>
               <a:rPr lang="en-US" dirty="0"/>
-              <a:t> neighbor 1.0.96.1 remote-as 100 </a:t>
+              <a:t>!</a:t>
             </a:r>
           </a:p>
           <a:p>
             <a:r>
               <a:rPr lang="en-US" dirty="0"/>
-              <a:t> neighbor 1.0.96.1 next-hop-self</a:t>
-            </a:r>
-          </a:p>
-          <a:p>
+              <a:t>interface GigabitEthernet0/0</a:t>
+            </a:r>
+          </a:p>
+          <a:p>
+            <a:r>
+              <a:rPr lang="en-US" dirty="0" err="1"/>
+              <a:t>ip</a:t>
+            </a:r>
             <a:r>
               <a:rPr lang="en-US" dirty="0"/>
-              <a:t> neighbor 1.0.96.1 send-community</a:t>
+              <a:t> address 1.2.1.2 255.255.255.252</a:t>
             </a:r>
           </a:p>
           <a:p>
             <a:r>
               <a:rPr lang="en-US" dirty="0"/>
-              <a:t> </a:t>
+              <a:t>no shutdown</a:t>
             </a:r>
           </a:p>
           <a:p>
             <a:r>
               <a:rPr lang="en-US" dirty="0"/>
-              <a:t>route-map comm permit 10</a:t>
-            </a:r>
-          </a:p>
-          <a:p>
-            <a:r>
-              <a:rPr lang="en-US" dirty="0"/>
-              <a:t> set community 100:1000</a:t>
+              <a:t>!</a:t>
             </a:r>
           </a:p>
         </p:txBody>
       </p:sp>
       <p:sp>
         <p:nvSpPr>
-          <p:cNvPr id="10" name="Fumetto: rettangolo con angoli arrotondati 9">
+          <p:cNvPr id="5" name="Fumetto: rettangolo con angoli arrotondati 4">
             <a:extLst>
               <a:ext uri="{FF2B5EF4-FFF2-40B4-BE49-F238E27FC236}">
-                <a16:creationId xmlns:a16="http://schemas.microsoft.com/office/drawing/2014/main" id="{E9044B59-03C6-29C2-003A-F2768241108F}"/>
+                <a16:creationId xmlns:a16="http://schemas.microsoft.com/office/drawing/2014/main" id="{46C318FE-F33C-09AF-46AF-750A17348B7A}"/>
               </a:ext>
             </a:extLst>
           </p:cNvPr>
@@ -25591,13 +26188,13 @@
         </p:nvSpPr>
         <p:spPr>
           <a:xfrm>
-            <a:off x="6488668" y="831273"/>
-            <a:ext cx="3590904" cy="1698567"/>
+            <a:off x="1028228" y="3888283"/>
+            <a:ext cx="4021292" cy="2692400"/>
           </a:xfrm>
           <a:prstGeom prst="wedgeRoundRectCallout">
             <a:avLst>
-              <a:gd name="adj1" fmla="val 66265"/>
-              <a:gd name="adj2" fmla="val 802"/>
+              <a:gd name="adj1" fmla="val 116344"/>
+              <a:gd name="adj2" fmla="val 1307"/>
               <a:gd name="adj3" fmla="val 16667"/>
             </a:avLst>
           </a:prstGeom>
@@ -25630,43 +26227,282 @@
           <a:p>
             <a:r>
               <a:rPr lang="en-US" dirty="0"/>
-              <a:t>router </a:t>
-            </a:r>
+              <a:t>interface GigabitEthernet1/0</a:t>
+            </a:r>
+          </a:p>
+          <a:p>
             <a:r>
               <a:rPr lang="en-US" dirty="0" err="1"/>
-              <a:t>bgp</a:t>
+              <a:t>ip</a:t>
             </a:r>
             <a:r>
               <a:rPr lang="en-US" dirty="0"/>
-              <a:t> 200</a:t>
+              <a:t> address 6.5.2.1 255.255.255.0</a:t>
             </a:r>
           </a:p>
           <a:p>
             <a:r>
               <a:rPr lang="en-US" dirty="0"/>
-              <a:t> network 2.0.0.0 mask 255.0.0.0</a:t>
+              <a:t>no shutdown</a:t>
             </a:r>
           </a:p>
           <a:p>
             <a:r>
               <a:rPr lang="en-US" dirty="0"/>
-              <a:t> neighbor 10.0.0.1 remote-as 100</a:t>
+              <a:t>!</a:t>
             </a:r>
           </a:p>
           <a:p>
             <a:r>
               <a:rPr lang="en-US" dirty="0"/>
-              <a:t> neighbor 10.0.0.3 remote-as 300</a:t>
+              <a:t>interface GigabitEthernet0/0</a:t>
+            </a:r>
+          </a:p>
+          <a:p>
+            <a:r>
+              <a:rPr lang="en-US" dirty="0" err="1"/>
+              <a:t>ip</a:t>
+            </a:r>
+            <a:r>
+              <a:rPr lang="en-US" dirty="0"/>
+              <a:t> address 1.3.1.2 255.255.255.252</a:t>
+            </a:r>
+          </a:p>
+          <a:p>
+            <a:r>
+              <a:rPr lang="en-US" dirty="0"/>
+              <a:t>no shutdown</a:t>
+            </a:r>
+          </a:p>
+          <a:p>
+            <a:r>
+              <a:rPr lang="en-US" dirty="0"/>
+              <a:t>!</a:t>
+            </a:r>
+          </a:p>
+        </p:txBody>
+      </p:sp>
+    </p:spTree>
+    <p:extLst>
+      <p:ext uri="{BB962C8B-B14F-4D97-AF65-F5344CB8AC3E}">
+        <p14:creationId xmlns:p14="http://schemas.microsoft.com/office/powerpoint/2010/main" val="3518605155"/>
+      </p:ext>
+    </p:extLst>
+  </p:cSld>
+  <p:clrMapOvr>
+    <a:masterClrMapping/>
+  </p:clrMapOvr>
+</p:sld>
+</file>
+
+<file path=ppt/slides/slide14.xml><?xml version="1.0" encoding="utf-8"?>
+<p:sld xmlns:a="http://schemas.openxmlformats.org/drawingml/2006/main" xmlns:r="http://schemas.openxmlformats.org/officeDocument/2006/relationships" xmlns:p="http://schemas.openxmlformats.org/presentationml/2006/main">
+  <p:cSld>
+    <p:spTree>
+      <p:nvGrpSpPr>
+        <p:cNvPr id="1" name=""/>
+        <p:cNvGrpSpPr/>
+        <p:nvPr/>
+      </p:nvGrpSpPr>
+      <p:grpSpPr>
+        <a:xfrm>
+          <a:off x="0" y="0"/>
+          <a:ext cx="0" cy="0"/>
+          <a:chOff x="0" y="0"/>
+          <a:chExt cx="0" cy="0"/>
+        </a:xfrm>
+      </p:grpSpPr>
+      <p:pic>
+        <p:nvPicPr>
+          <p:cNvPr id="3" name="Immagine 3">
+            <a:extLst>
+              <a:ext uri="{FF2B5EF4-FFF2-40B4-BE49-F238E27FC236}">
+                <a16:creationId xmlns:a16="http://schemas.microsoft.com/office/drawing/2014/main" id="{D5C65AFE-435F-EBFA-A454-F3A003E02DF8}"/>
+              </a:ext>
+            </a:extLst>
+          </p:cNvPr>
+          <p:cNvPicPr>
+            <a:picLocks noChangeAspect="1"/>
+          </p:cNvPicPr>
+          <p:nvPr/>
+        </p:nvPicPr>
+        <p:blipFill>
+          <a:blip r:embed="rId2"/>
+          <a:srcRect/>
+          <a:stretch/>
+        </p:blipFill>
+        <p:spPr>
+          <a:xfrm>
+            <a:off x="5049520" y="277317"/>
+            <a:ext cx="6118353" cy="6155810"/>
+          </a:xfrm>
+          <a:prstGeom prst="rect">
+            <a:avLst/>
+          </a:prstGeom>
+          <a:noFill/>
+        </p:spPr>
+      </p:pic>
+      <p:sp>
+        <p:nvSpPr>
+          <p:cNvPr id="2" name="CasellaDiTesto 1">
+            <a:extLst>
+              <a:ext uri="{FF2B5EF4-FFF2-40B4-BE49-F238E27FC236}">
+                <a16:creationId xmlns:a16="http://schemas.microsoft.com/office/drawing/2014/main" id="{9629F5B1-EC69-A92F-80B0-6FD8F0264186}"/>
+              </a:ext>
+            </a:extLst>
+          </p:cNvPr>
+          <p:cNvSpPr txBox="1"/>
+          <p:nvPr/>
+        </p:nvSpPr>
+        <p:spPr>
+          <a:xfrm>
+            <a:off x="1024127" y="424873"/>
+            <a:ext cx="4735541" cy="2165927"/>
+          </a:xfrm>
+          <a:prstGeom prst="rect">
+            <a:avLst/>
+          </a:prstGeom>
+        </p:spPr>
+        <p:txBody>
+          <a:bodyPr rot="0" spcFirstLastPara="0" vertOverflow="overflow" horzOverflow="overflow" vert="horz" lIns="91440" tIns="45720" rIns="91440" bIns="45720" numCol="1" spcCol="0" rtlCol="0" fromWordArt="0" anchor="ctr" anchorCtr="0" forceAA="0" compatLnSpc="1">
+            <a:prstTxWarp prst="textNoShape">
+              <a:avLst/>
+            </a:prstTxWarp>
+            <a:normAutofit/>
+          </a:bodyPr>
+          <a:lstStyle/>
+          <a:p>
+            <a:pPr defTabSz="914400">
+              <a:lnSpc>
+                <a:spcPct val="80000"/>
+              </a:lnSpc>
+              <a:spcBef>
+                <a:spcPct val="0"/>
+              </a:spcBef>
+              <a:spcAft>
+                <a:spcPts val="600"/>
+              </a:spcAft>
+            </a:pPr>
+            <a:r>
+              <a:rPr lang="it-IT" sz="4000" kern="1200" cap="all" spc="100" baseline="0" dirty="0" err="1">
+                <a:solidFill>
+                  <a:schemeClr val="tx1">
+                    <a:lumMod val="95000"/>
+                    <a:lumOff val="5000"/>
+                  </a:schemeClr>
+                </a:solidFill>
+                <a:latin typeface="+mj-lt"/>
+                <a:ea typeface="+mj-ea"/>
+                <a:cs typeface="+mj-cs"/>
+              </a:rPr>
+              <a:t>Define</a:t>
+            </a:r>
+            <a:r>
+              <a:rPr lang="it-IT" sz="4000" kern="1200" cap="all" spc="100" baseline="0" dirty="0">
+                <a:solidFill>
+                  <a:schemeClr val="tx1">
+                    <a:lumMod val="95000"/>
+                    <a:lumOff val="5000"/>
+                  </a:schemeClr>
+                </a:solidFill>
+                <a:latin typeface="+mj-lt"/>
+                <a:ea typeface="+mj-ea"/>
+                <a:cs typeface="+mj-cs"/>
+              </a:rPr>
+              <a:t> VRF </a:t>
+            </a:r>
+            <a:r>
+              <a:rPr lang="it-IT" sz="3600" kern="1200" cap="all" spc="100" baseline="0" dirty="0">
+                <a:solidFill>
+                  <a:schemeClr val="tx1">
+                    <a:lumMod val="95000"/>
+                    <a:lumOff val="5000"/>
+                  </a:schemeClr>
+                </a:solidFill>
+                <a:latin typeface="+mj-lt"/>
+                <a:ea typeface="+mj-ea"/>
+                <a:cs typeface="+mj-cs"/>
+              </a:rPr>
+              <a:t>and</a:t>
+            </a:r>
+          </a:p>
+          <a:p>
+            <a:pPr defTabSz="914400">
+              <a:lnSpc>
+                <a:spcPct val="80000"/>
+              </a:lnSpc>
+              <a:spcBef>
+                <a:spcPct val="0"/>
+              </a:spcBef>
+              <a:spcAft>
+                <a:spcPts val="600"/>
+              </a:spcAft>
+            </a:pPr>
+            <a:r>
+              <a:rPr lang="it-IT" sz="3600" kern="1200" cap="all" spc="100" baseline="0" dirty="0" err="1">
+                <a:solidFill>
+                  <a:schemeClr val="tx1">
+                    <a:lumMod val="95000"/>
+                    <a:lumOff val="5000"/>
+                  </a:schemeClr>
+                </a:solidFill>
+                <a:latin typeface="+mj-lt"/>
+                <a:ea typeface="+mj-ea"/>
+                <a:cs typeface="+mj-cs"/>
+              </a:rPr>
+              <a:t>Enable</a:t>
+            </a:r>
+            <a:r>
+              <a:rPr lang="it-IT" sz="3600" kern="1200" cap="all" spc="100" baseline="0" dirty="0">
+                <a:solidFill>
+                  <a:schemeClr val="tx1">
+                    <a:lumMod val="95000"/>
+                    <a:lumOff val="5000"/>
+                  </a:schemeClr>
+                </a:solidFill>
+                <a:latin typeface="+mj-lt"/>
+                <a:ea typeface="+mj-ea"/>
+                <a:cs typeface="+mj-cs"/>
+              </a:rPr>
+              <a:t> </a:t>
+            </a:r>
+            <a:r>
+              <a:rPr lang="it-IT" sz="3600" kern="1200" cap="all" spc="100" baseline="0" dirty="0" err="1">
+                <a:solidFill>
+                  <a:schemeClr val="tx1">
+                    <a:lumMod val="95000"/>
+                    <a:lumOff val="5000"/>
+                  </a:schemeClr>
+                </a:solidFill>
+                <a:latin typeface="+mj-lt"/>
+                <a:ea typeface="+mj-ea"/>
+                <a:cs typeface="+mj-cs"/>
+              </a:rPr>
+              <a:t>vrf</a:t>
+            </a:r>
+            <a:r>
+              <a:rPr lang="it-IT" sz="3600" kern="1200" cap="all" spc="100" baseline="0" dirty="0">
+                <a:solidFill>
+                  <a:schemeClr val="tx1">
+                    <a:lumMod val="95000"/>
+                    <a:lumOff val="5000"/>
+                  </a:schemeClr>
+                </a:solidFill>
+                <a:latin typeface="+mj-lt"/>
+                <a:ea typeface="+mj-ea"/>
+                <a:cs typeface="+mj-cs"/>
+              </a:rPr>
+              <a:t> forwarding</a:t>
             </a:r>
           </a:p>
         </p:txBody>
       </p:sp>
       <p:sp>
         <p:nvSpPr>
-          <p:cNvPr id="11" name="Fumetto: rettangolo con angoli arrotondati 10">
+          <p:cNvPr id="4" name="Fumetto: rettangolo con angoli arrotondati 3">
             <a:extLst>
               <a:ext uri="{FF2B5EF4-FFF2-40B4-BE49-F238E27FC236}">
-                <a16:creationId xmlns:a16="http://schemas.microsoft.com/office/drawing/2014/main" id="{56F042C8-823B-CB15-664B-68A124E5CBBD}"/>
+                <a16:creationId xmlns:a16="http://schemas.microsoft.com/office/drawing/2014/main" id="{6AB08E29-0420-22EB-00EF-DB24E59948D5}"/>
               </a:ext>
             </a:extLst>
           </p:cNvPr>
@@ -25675,13 +26511,13 @@
         </p:nvSpPr>
         <p:spPr>
           <a:xfrm>
-            <a:off x="6603999" y="3881120"/>
-            <a:ext cx="3590903" cy="1609028"/>
+            <a:off x="2926079" y="3119119"/>
+            <a:ext cx="3282679" cy="2286001"/>
           </a:xfrm>
           <a:prstGeom prst="wedgeRoundRectCallout">
             <a:avLst>
-              <a:gd name="adj1" fmla="val 63251"/>
-              <a:gd name="adj2" fmla="val 45604"/>
+              <a:gd name="adj1" fmla="val 94060"/>
+              <a:gd name="adj2" fmla="val 2816"/>
               <a:gd name="adj3" fmla="val 16667"/>
             </a:avLst>
           </a:prstGeom>
@@ -25713,44 +26549,292 @@
           <a:lstStyle/>
           <a:p>
             <a:r>
+              <a:rPr lang="en-US" dirty="0" err="1"/>
+              <a:t>ip</a:t>
+            </a:r>
+            <a:r>
               <a:rPr lang="en-US" dirty="0"/>
-              <a:t>router </a:t>
+              <a:t> </a:t>
             </a:r>
             <a:r>
               <a:rPr lang="en-US" dirty="0" err="1"/>
-              <a:t>bgp</a:t>
+              <a:t>vrf</a:t>
             </a:r>
             <a:r>
               <a:rPr lang="en-US" dirty="0"/>
-              <a:t> 300</a:t>
-            </a:r>
-          </a:p>
-          <a:p>
+              <a:t> </a:t>
+            </a:r>
+            <a:r>
+              <a:rPr lang="en-US" dirty="0" err="1"/>
+              <a:t>vpnA</a:t>
+            </a:r>
+            <a:endParaRPr lang="en-US" dirty="0"/>
+          </a:p>
+          <a:p>
+            <a:r>
+              <a:rPr lang="en-US" dirty="0" err="1"/>
+              <a:t>rd</a:t>
+            </a:r>
             <a:r>
               <a:rPr lang="en-US" dirty="0"/>
-              <a:t> network 3.0.0.0 mask 255.0.0.0</a:t>
+              <a:t> 65000:1</a:t>
             </a:r>
           </a:p>
           <a:p>
             <a:r>
               <a:rPr lang="en-US" dirty="0"/>
-              <a:t> neighbor 10.0.0.1 remote-as 100</a:t>
+              <a:t>route-target both 65000:1</a:t>
             </a:r>
           </a:p>
           <a:p>
             <a:r>
               <a:rPr lang="en-US" dirty="0"/>
-              <a:t> neighbor 10.0.0.2 remote-as 200</a:t>
+              <a:t>!</a:t>
+            </a:r>
+          </a:p>
+          <a:p>
+            <a:r>
+              <a:rPr lang="en-US" dirty="0"/>
+              <a:t>interface GigabitEthernet1/0</a:t>
+            </a:r>
+          </a:p>
+          <a:p>
+            <a:r>
+              <a:rPr lang="en-US" dirty="0"/>
+              <a:t> </a:t>
+            </a:r>
+            <a:r>
+              <a:rPr lang="en-US" dirty="0" err="1"/>
+              <a:t>ip</a:t>
+            </a:r>
+            <a:r>
+              <a:rPr lang="en-US" dirty="0"/>
+              <a:t> </a:t>
+            </a:r>
+            <a:r>
+              <a:rPr lang="en-US" dirty="0" err="1"/>
+              <a:t>vrf</a:t>
+            </a:r>
+            <a:r>
+              <a:rPr lang="en-US" dirty="0"/>
+              <a:t> forwarding </a:t>
+            </a:r>
+            <a:r>
+              <a:rPr lang="en-US" dirty="0" err="1"/>
+              <a:t>vpnA</a:t>
+            </a:r>
+            <a:endParaRPr lang="en-US" dirty="0"/>
+          </a:p>
+          <a:p>
+            <a:r>
+              <a:rPr lang="en-US" dirty="0"/>
+              <a:t>!</a:t>
             </a:r>
           </a:p>
         </p:txBody>
       </p:sp>
       <p:sp>
         <p:nvSpPr>
-          <p:cNvPr id="4" name="CasellaDiTesto 3">
+          <p:cNvPr id="5" name="Fumetto: rettangolo con angoli arrotondati 4">
             <a:extLst>
               <a:ext uri="{FF2B5EF4-FFF2-40B4-BE49-F238E27FC236}">
-                <a16:creationId xmlns:a16="http://schemas.microsoft.com/office/drawing/2014/main" id="{617C8522-E59A-B609-656C-B197274B2FB4}"/>
+                <a16:creationId xmlns:a16="http://schemas.microsoft.com/office/drawing/2014/main" id="{C858B310-3CF5-647C-DBD6-FAA7B2CB680D}"/>
+              </a:ext>
+            </a:extLst>
+          </p:cNvPr>
+          <p:cNvSpPr/>
+          <p:nvPr/>
+        </p:nvSpPr>
+        <p:spPr>
+          <a:xfrm>
+            <a:off x="8756886" y="424873"/>
+            <a:ext cx="3211594" cy="2335877"/>
+          </a:xfrm>
+          <a:prstGeom prst="wedgeRoundRectCallout">
+            <a:avLst>
+              <a:gd name="adj1" fmla="val -74167"/>
+              <a:gd name="adj2" fmla="val 32846"/>
+              <a:gd name="adj3" fmla="val 16667"/>
+            </a:avLst>
+          </a:prstGeom>
+          <a:solidFill>
+            <a:schemeClr val="tx1">
+              <a:lumMod val="95000"/>
+              <a:lumOff val="5000"/>
+            </a:schemeClr>
+          </a:solidFill>
+        </p:spPr>
+        <p:style>
+          <a:lnRef idx="2">
+            <a:schemeClr val="accent1">
+              <a:shade val="50000"/>
+            </a:schemeClr>
+          </a:lnRef>
+          <a:fillRef idx="1">
+            <a:schemeClr val="accent1"/>
+          </a:fillRef>
+          <a:effectRef idx="0">
+            <a:schemeClr val="accent1"/>
+          </a:effectRef>
+          <a:fontRef idx="minor">
+            <a:schemeClr val="lt1"/>
+          </a:fontRef>
+        </p:style>
+        <p:txBody>
+          <a:bodyPr rtlCol="0" anchor="ctr"/>
+          <a:lstStyle/>
+          <a:p>
+            <a:r>
+              <a:rPr lang="en-US" dirty="0" err="1"/>
+              <a:t>ip</a:t>
+            </a:r>
+            <a:r>
+              <a:rPr lang="en-US" dirty="0"/>
+              <a:t> </a:t>
+            </a:r>
+            <a:r>
+              <a:rPr lang="en-US" dirty="0" err="1"/>
+              <a:t>vrf</a:t>
+            </a:r>
+            <a:r>
+              <a:rPr lang="en-US" dirty="0"/>
+              <a:t> </a:t>
+            </a:r>
+            <a:r>
+              <a:rPr lang="en-US" dirty="0" err="1"/>
+              <a:t>vpnA</a:t>
+            </a:r>
+            <a:endParaRPr lang="en-US" dirty="0"/>
+          </a:p>
+          <a:p>
+            <a:r>
+              <a:rPr lang="en-US" dirty="0" err="1"/>
+              <a:t>rd</a:t>
+            </a:r>
+            <a:r>
+              <a:rPr lang="en-US" dirty="0"/>
+              <a:t> 65000:1</a:t>
+            </a:r>
+          </a:p>
+          <a:p>
+            <a:r>
+              <a:rPr lang="en-US" dirty="0"/>
+              <a:t>route-target both 65000:1</a:t>
+            </a:r>
+          </a:p>
+          <a:p>
+            <a:r>
+              <a:rPr lang="en-US" dirty="0"/>
+              <a:t>!</a:t>
+            </a:r>
+          </a:p>
+          <a:p>
+            <a:r>
+              <a:rPr lang="en-US" dirty="0"/>
+              <a:t>interface GigabitEthernet1/0</a:t>
+            </a:r>
+          </a:p>
+          <a:p>
+            <a:r>
+              <a:rPr lang="en-US" dirty="0"/>
+              <a:t> </a:t>
+            </a:r>
+            <a:r>
+              <a:rPr lang="en-US" dirty="0" err="1"/>
+              <a:t>ip</a:t>
+            </a:r>
+            <a:r>
+              <a:rPr lang="en-US" dirty="0"/>
+              <a:t> </a:t>
+            </a:r>
+            <a:r>
+              <a:rPr lang="en-US" dirty="0" err="1"/>
+              <a:t>vrf</a:t>
+            </a:r>
+            <a:r>
+              <a:rPr lang="en-US" dirty="0"/>
+              <a:t> forwarding </a:t>
+            </a:r>
+            <a:r>
+              <a:rPr lang="en-US" dirty="0" err="1"/>
+              <a:t>vpnA</a:t>
+            </a:r>
+            <a:endParaRPr lang="en-US" dirty="0"/>
+          </a:p>
+          <a:p>
+            <a:r>
+              <a:rPr lang="en-US" dirty="0"/>
+              <a:t>!</a:t>
+            </a:r>
+          </a:p>
+        </p:txBody>
+      </p:sp>
+    </p:spTree>
+    <p:extLst>
+      <p:ext uri="{BB962C8B-B14F-4D97-AF65-F5344CB8AC3E}">
+        <p14:creationId xmlns:p14="http://schemas.microsoft.com/office/powerpoint/2010/main" val="1245211894"/>
+      </p:ext>
+    </p:extLst>
+  </p:cSld>
+  <p:clrMapOvr>
+    <a:masterClrMapping/>
+  </p:clrMapOvr>
+</p:sld>
+</file>
+
+<file path=ppt/slides/slide15.xml><?xml version="1.0" encoding="utf-8"?>
+<p:sld xmlns:a="http://schemas.openxmlformats.org/drawingml/2006/main" xmlns:r="http://schemas.openxmlformats.org/officeDocument/2006/relationships" xmlns:p="http://schemas.openxmlformats.org/presentationml/2006/main">
+  <p:cSld>
+    <p:spTree>
+      <p:nvGrpSpPr>
+        <p:cNvPr id="1" name=""/>
+        <p:cNvGrpSpPr/>
+        <p:nvPr/>
+      </p:nvGrpSpPr>
+      <p:grpSpPr>
+        <a:xfrm>
+          <a:off x="0" y="0"/>
+          <a:ext cx="0" cy="0"/>
+          <a:chOff x="0" y="0"/>
+          <a:chExt cx="0" cy="0"/>
+        </a:xfrm>
+      </p:grpSpPr>
+      <p:pic>
+        <p:nvPicPr>
+          <p:cNvPr id="3" name="Immagine 3">
+            <a:extLst>
+              <a:ext uri="{FF2B5EF4-FFF2-40B4-BE49-F238E27FC236}">
+                <a16:creationId xmlns:a16="http://schemas.microsoft.com/office/drawing/2014/main" id="{D5C65AFE-435F-EBFA-A454-F3A003E02DF8}"/>
+              </a:ext>
+            </a:extLst>
+          </p:cNvPr>
+          <p:cNvPicPr>
+            <a:picLocks noChangeAspect="1"/>
+          </p:cNvPicPr>
+          <p:nvPr/>
+        </p:nvPicPr>
+        <p:blipFill>
+          <a:blip r:embed="rId2"/>
+          <a:srcRect/>
+          <a:stretch/>
+        </p:blipFill>
+        <p:spPr>
+          <a:xfrm>
+            <a:off x="5049520" y="277317"/>
+            <a:ext cx="6118353" cy="6155810"/>
+          </a:xfrm>
+          <a:prstGeom prst="rect">
+            <a:avLst/>
+          </a:prstGeom>
+          <a:noFill/>
+        </p:spPr>
+      </p:pic>
+      <p:sp>
+        <p:nvSpPr>
+          <p:cNvPr id="2" name="CasellaDiTesto 1">
+            <a:extLst>
+              <a:ext uri="{FF2B5EF4-FFF2-40B4-BE49-F238E27FC236}">
+                <a16:creationId xmlns:a16="http://schemas.microsoft.com/office/drawing/2014/main" id="{9629F5B1-EC69-A92F-80B0-6FD8F0264186}"/>
               </a:ext>
             </a:extLst>
           </p:cNvPr>
@@ -25759,8 +26843,8 @@
         </p:nvSpPr>
         <p:spPr>
           <a:xfrm>
-            <a:off x="1024128" y="424873"/>
-            <a:ext cx="4389120" cy="1783996"/>
+            <a:off x="1024127" y="424873"/>
+            <a:ext cx="4735541" cy="2165927"/>
           </a:xfrm>
           <a:prstGeom prst="rect">
             <a:avLst/>
@@ -25798,50 +26882,511 @@
                 <a:ea typeface="+mj-ea"/>
                 <a:cs typeface="+mj-cs"/>
               </a:rPr>
-              <a:t>eB</a:t>
-            </a:r>
-            <a:r>
-              <a:rPr lang="it-IT" sz="4000" cap="all" spc="100" dirty="0" err="1">
-                <a:solidFill>
-                  <a:schemeClr val="tx1">
-                    <a:lumMod val="95000"/>
-                    <a:lumOff val="5000"/>
-                  </a:schemeClr>
-                </a:solidFill>
-                <a:latin typeface="+mj-lt"/>
-                <a:ea typeface="+mj-ea"/>
-                <a:cs typeface="+mj-cs"/>
-              </a:rPr>
-              <a:t>GP</a:t>
-            </a:r>
-            <a:r>
-              <a:rPr lang="it-IT" sz="4000" cap="all" spc="100" dirty="0">
-                <a:solidFill>
-                  <a:schemeClr val="tx1">
-                    <a:lumMod val="95000"/>
-                    <a:lumOff val="5000"/>
-                  </a:schemeClr>
-                </a:solidFill>
-                <a:latin typeface="+mj-lt"/>
-                <a:ea typeface="+mj-ea"/>
-                <a:cs typeface="+mj-cs"/>
-              </a:rPr>
+              <a:t>eBGP</a:t>
+            </a:r>
+            <a:endParaRPr lang="it-IT" sz="4000" kern="1200" cap="all" spc="100" baseline="0" dirty="0">
+              <a:solidFill>
+                <a:schemeClr val="tx1">
+                  <a:lumMod val="95000"/>
+                  <a:lumOff val="5000"/>
+                </a:schemeClr>
+              </a:solidFill>
+              <a:latin typeface="+mj-lt"/>
+              <a:ea typeface="+mj-ea"/>
+              <a:cs typeface="+mj-cs"/>
+            </a:endParaRPr>
+          </a:p>
+        </p:txBody>
+      </p:sp>
+      <p:sp>
+        <p:nvSpPr>
+          <p:cNvPr id="4" name="Fumetto: rettangolo con angoli arrotondati 3">
+            <a:extLst>
+              <a:ext uri="{FF2B5EF4-FFF2-40B4-BE49-F238E27FC236}">
+                <a16:creationId xmlns:a16="http://schemas.microsoft.com/office/drawing/2014/main" id="{34207F43-B0D8-82B9-D1B0-000D8F26FAD0}"/>
+              </a:ext>
+            </a:extLst>
+          </p:cNvPr>
+          <p:cNvSpPr/>
+          <p:nvPr/>
+        </p:nvSpPr>
+        <p:spPr>
+          <a:xfrm>
+            <a:off x="8321040" y="2774602"/>
+            <a:ext cx="3799840" cy="1565220"/>
+          </a:xfrm>
+          <a:prstGeom prst="wedgeRoundRectCallout">
+            <a:avLst>
+              <a:gd name="adj1" fmla="val -62918"/>
+              <a:gd name="adj2" fmla="val -85668"/>
+              <a:gd name="adj3" fmla="val 16667"/>
+            </a:avLst>
+          </a:prstGeom>
+          <a:solidFill>
+            <a:schemeClr val="tx1">
+              <a:lumMod val="95000"/>
+              <a:lumOff val="5000"/>
+            </a:schemeClr>
+          </a:solidFill>
+        </p:spPr>
+        <p:style>
+          <a:lnRef idx="2">
+            <a:schemeClr val="accent1">
+              <a:shade val="50000"/>
+            </a:schemeClr>
+          </a:lnRef>
+          <a:fillRef idx="1">
+            <a:schemeClr val="accent1"/>
+          </a:fillRef>
+          <a:effectRef idx="0">
+            <a:schemeClr val="accent1"/>
+          </a:effectRef>
+          <a:fontRef idx="minor">
+            <a:schemeClr val="lt1"/>
+          </a:fontRef>
+        </p:style>
+        <p:txBody>
+          <a:bodyPr rtlCol="0" anchor="ctr"/>
+          <a:lstStyle/>
+          <a:p>
+            <a:r>
+              <a:rPr lang="en-US" dirty="0"/>
+              <a:t>router </a:t>
+            </a:r>
+            <a:r>
+              <a:rPr lang="en-US" dirty="0" err="1"/>
+              <a:t>bgp</a:t>
+            </a:r>
+            <a:r>
+              <a:rPr lang="en-US" dirty="0"/>
+              <a:t> 100</a:t>
+            </a:r>
+          </a:p>
+          <a:p>
+            <a:r>
+              <a:rPr lang="en-US" dirty="0"/>
+              <a:t> address-family ipv4 </a:t>
+            </a:r>
+            <a:r>
+              <a:rPr lang="en-US" dirty="0" err="1"/>
+              <a:t>vrf</a:t>
+            </a:r>
+            <a:r>
+              <a:rPr lang="en-US" dirty="0"/>
               <a:t> </a:t>
             </a:r>
             <a:r>
-              <a:rPr lang="it-IT" sz="4000" cap="all" spc="100" dirty="0" err="1">
-                <a:solidFill>
-                  <a:schemeClr val="tx1">
-                    <a:lumMod val="95000"/>
-                    <a:lumOff val="5000"/>
-                  </a:schemeClr>
-                </a:solidFill>
-                <a:latin typeface="+mj-lt"/>
-                <a:ea typeface="+mj-ea"/>
-                <a:cs typeface="+mj-cs"/>
-              </a:rPr>
-              <a:t>Configuration</a:t>
-            </a:r>
+              <a:rPr lang="en-US" dirty="0" err="1"/>
+              <a:t>vpnA</a:t>
+            </a:r>
+            <a:endParaRPr lang="en-US" dirty="0"/>
+          </a:p>
+          <a:p>
+            <a:r>
+              <a:rPr lang="en-US" dirty="0"/>
+              <a:t>  neighbor 1.2.1.2 remote-as 65000</a:t>
+            </a:r>
+          </a:p>
+          <a:p>
+            <a:r>
+              <a:rPr lang="en-US" dirty="0"/>
+              <a:t>exit-address-family</a:t>
+            </a:r>
+          </a:p>
+          <a:p>
+            <a:r>
+              <a:rPr lang="en-US" dirty="0"/>
+              <a:t>!</a:t>
+            </a:r>
+          </a:p>
+        </p:txBody>
+      </p:sp>
+      <p:sp>
+        <p:nvSpPr>
+          <p:cNvPr id="5" name="Fumetto: rettangolo con angoli arrotondati 4">
+            <a:extLst>
+              <a:ext uri="{FF2B5EF4-FFF2-40B4-BE49-F238E27FC236}">
+                <a16:creationId xmlns:a16="http://schemas.microsoft.com/office/drawing/2014/main" id="{46C318FE-F33C-09AF-46AF-750A17348B7A}"/>
+              </a:ext>
+            </a:extLst>
+          </p:cNvPr>
+          <p:cNvSpPr/>
+          <p:nvPr/>
+        </p:nvSpPr>
+        <p:spPr>
+          <a:xfrm>
+            <a:off x="1028228" y="4933944"/>
+            <a:ext cx="4021292" cy="1722702"/>
+          </a:xfrm>
+          <a:prstGeom prst="wedgeRoundRectCallout">
+            <a:avLst>
+              <a:gd name="adj1" fmla="val 116344"/>
+              <a:gd name="adj2" fmla="val -27592"/>
+              <a:gd name="adj3" fmla="val 16667"/>
+            </a:avLst>
+          </a:prstGeom>
+          <a:solidFill>
+            <a:schemeClr val="tx1">
+              <a:lumMod val="95000"/>
+              <a:lumOff val="5000"/>
+            </a:schemeClr>
+          </a:solidFill>
+        </p:spPr>
+        <p:style>
+          <a:lnRef idx="2">
+            <a:schemeClr val="accent1">
+              <a:shade val="50000"/>
+            </a:schemeClr>
+          </a:lnRef>
+          <a:fillRef idx="1">
+            <a:schemeClr val="accent1"/>
+          </a:fillRef>
+          <a:effectRef idx="0">
+            <a:schemeClr val="accent1"/>
+          </a:effectRef>
+          <a:fontRef idx="minor">
+            <a:schemeClr val="lt1"/>
+          </a:fontRef>
+        </p:style>
+        <p:txBody>
+          <a:bodyPr rtlCol="0" anchor="ctr"/>
+          <a:lstStyle/>
+          <a:p>
+            <a:r>
+              <a:rPr lang="en-US" dirty="0"/>
+              <a:t>router </a:t>
+            </a:r>
+            <a:r>
+              <a:rPr lang="en-US" dirty="0" err="1"/>
+              <a:t>bgp</a:t>
+            </a:r>
+            <a:r>
+              <a:rPr lang="en-US" dirty="0"/>
+              <a:t> 65000</a:t>
+            </a:r>
+          </a:p>
+          <a:p>
+            <a:r>
+              <a:rPr lang="en-US" dirty="0"/>
+              <a:t> neighbor 1.3.1.1 remote-as 100</a:t>
+            </a:r>
+          </a:p>
+          <a:p>
+            <a:r>
+              <a:rPr lang="en-US" dirty="0"/>
+              <a:t> network 6.5.2.0 mask 255.255.255.0</a:t>
+            </a:r>
+          </a:p>
+          <a:p>
+            <a:endParaRPr lang="en-US" dirty="0"/>
+          </a:p>
+          <a:p>
+            <a:r>
+              <a:rPr lang="en-US" dirty="0" err="1"/>
+              <a:t>ip</a:t>
+            </a:r>
+            <a:r>
+              <a:rPr lang="en-US" dirty="0"/>
+              <a:t> route 0.0.0.0 0.0.0.0 1.3.1.1</a:t>
+            </a:r>
+          </a:p>
+        </p:txBody>
+      </p:sp>
+      <p:sp>
+        <p:nvSpPr>
+          <p:cNvPr id="6" name="Fumetto: rettangolo con angoli arrotondati 5">
+            <a:extLst>
+              <a:ext uri="{FF2B5EF4-FFF2-40B4-BE49-F238E27FC236}">
+                <a16:creationId xmlns:a16="http://schemas.microsoft.com/office/drawing/2014/main" id="{E15F27FA-862B-9A88-A787-C129A9E89FA5}"/>
+              </a:ext>
+            </a:extLst>
+          </p:cNvPr>
+          <p:cNvSpPr/>
+          <p:nvPr/>
+        </p:nvSpPr>
+        <p:spPr>
+          <a:xfrm>
+            <a:off x="2926080" y="900075"/>
+            <a:ext cx="3931920" cy="1843126"/>
+          </a:xfrm>
+          <a:prstGeom prst="wedgeRoundRectCallout">
+            <a:avLst>
+              <a:gd name="adj1" fmla="val 72570"/>
+              <a:gd name="adj2" fmla="val -24863"/>
+              <a:gd name="adj3" fmla="val 16667"/>
+            </a:avLst>
+          </a:prstGeom>
+          <a:solidFill>
+            <a:schemeClr val="tx1">
+              <a:lumMod val="95000"/>
+              <a:lumOff val="5000"/>
+            </a:schemeClr>
+          </a:solidFill>
+        </p:spPr>
+        <p:style>
+          <a:lnRef idx="2">
+            <a:schemeClr val="accent1">
+              <a:shade val="50000"/>
+            </a:schemeClr>
+          </a:lnRef>
+          <a:fillRef idx="1">
+            <a:schemeClr val="accent1"/>
+          </a:fillRef>
+          <a:effectRef idx="0">
+            <a:schemeClr val="accent1"/>
+          </a:effectRef>
+          <a:fontRef idx="minor">
+            <a:schemeClr val="lt1"/>
+          </a:fontRef>
+        </p:style>
+        <p:txBody>
+          <a:bodyPr rtlCol="0" anchor="ctr"/>
+          <a:lstStyle/>
+          <a:p>
+            <a:r>
+              <a:rPr lang="en-US" dirty="0"/>
+              <a:t>router </a:t>
+            </a:r>
+            <a:r>
+              <a:rPr lang="en-US" dirty="0" err="1"/>
+              <a:t>bgp</a:t>
+            </a:r>
+            <a:r>
+              <a:rPr lang="en-US" dirty="0"/>
+              <a:t> 65000</a:t>
+            </a:r>
+          </a:p>
+          <a:p>
+            <a:r>
+              <a:rPr lang="en-US" dirty="0"/>
+              <a:t> neighbor 1.2.1.1 remote-as 100</a:t>
+            </a:r>
+          </a:p>
+          <a:p>
+            <a:r>
+              <a:rPr lang="en-US" dirty="0"/>
+              <a:t> network 6.5.1.0 mask 255.255.255.0</a:t>
+            </a:r>
+          </a:p>
+          <a:p>
+            <a:endParaRPr lang="en-US" dirty="0"/>
+          </a:p>
+          <a:p>
+            <a:r>
+              <a:rPr lang="en-US" dirty="0" err="1"/>
+              <a:t>ip</a:t>
+            </a:r>
+            <a:r>
+              <a:rPr lang="en-US" dirty="0"/>
+              <a:t> route 0.0.0.0 0.0.0.0 1.2.1.1</a:t>
+            </a:r>
+          </a:p>
+        </p:txBody>
+      </p:sp>
+      <p:sp>
+        <p:nvSpPr>
+          <p:cNvPr id="7" name="Fumetto: rettangolo con angoli arrotondati 6">
+            <a:extLst>
+              <a:ext uri="{FF2B5EF4-FFF2-40B4-BE49-F238E27FC236}">
+                <a16:creationId xmlns:a16="http://schemas.microsoft.com/office/drawing/2014/main" id="{07977AE4-0622-58E0-351F-D75FCBD56880}"/>
+              </a:ext>
+            </a:extLst>
+          </p:cNvPr>
+          <p:cNvSpPr/>
+          <p:nvPr/>
+        </p:nvSpPr>
+        <p:spPr>
+          <a:xfrm>
+            <a:off x="702018" y="3055502"/>
+            <a:ext cx="3697261" cy="1566141"/>
+          </a:xfrm>
+          <a:prstGeom prst="wedgeRoundRectCallout">
+            <a:avLst>
+              <a:gd name="adj1" fmla="val 142403"/>
+              <a:gd name="adj2" fmla="val 33054"/>
+              <a:gd name="adj3" fmla="val 16667"/>
+            </a:avLst>
+          </a:prstGeom>
+          <a:solidFill>
+            <a:schemeClr val="tx1">
+              <a:lumMod val="95000"/>
+              <a:lumOff val="5000"/>
+            </a:schemeClr>
+          </a:solidFill>
+        </p:spPr>
+        <p:style>
+          <a:lnRef idx="2">
+            <a:schemeClr val="accent1">
+              <a:shade val="50000"/>
+            </a:schemeClr>
+          </a:lnRef>
+          <a:fillRef idx="1">
+            <a:schemeClr val="accent1"/>
+          </a:fillRef>
+          <a:effectRef idx="0">
+            <a:schemeClr val="accent1"/>
+          </a:effectRef>
+          <a:fontRef idx="minor">
+            <a:schemeClr val="lt1"/>
+          </a:fontRef>
+        </p:style>
+        <p:txBody>
+          <a:bodyPr rtlCol="0" anchor="ctr"/>
+          <a:lstStyle/>
+          <a:p>
+            <a:r>
+              <a:rPr lang="en-US" dirty="0"/>
+              <a:t>router </a:t>
+            </a:r>
+            <a:r>
+              <a:rPr lang="en-US" dirty="0" err="1"/>
+              <a:t>bgp</a:t>
+            </a:r>
+            <a:r>
+              <a:rPr lang="en-US" dirty="0"/>
+              <a:t> 100</a:t>
+            </a:r>
+          </a:p>
+          <a:p>
+            <a:r>
+              <a:rPr lang="en-US" dirty="0"/>
+              <a:t> address-family ipv4 </a:t>
+            </a:r>
+            <a:r>
+              <a:rPr lang="en-US" dirty="0" err="1"/>
+              <a:t>vrf</a:t>
+            </a:r>
+            <a:r>
+              <a:rPr lang="en-US" dirty="0"/>
+              <a:t> </a:t>
+            </a:r>
+            <a:r>
+              <a:rPr lang="en-US" dirty="0" err="1"/>
+              <a:t>vpnA</a:t>
+            </a:r>
+            <a:endParaRPr lang="en-US" dirty="0"/>
+          </a:p>
+          <a:p>
+            <a:r>
+              <a:rPr lang="en-US" dirty="0"/>
+              <a:t>  neighbor 1.3.1.2 remote-as 65000</a:t>
+            </a:r>
+          </a:p>
+          <a:p>
+            <a:r>
+              <a:rPr lang="en-US" dirty="0"/>
+              <a:t>exit-address-family</a:t>
+            </a:r>
+          </a:p>
+          <a:p>
+            <a:r>
+              <a:rPr lang="en-US" dirty="0"/>
+              <a:t>!</a:t>
+            </a:r>
+          </a:p>
+        </p:txBody>
+      </p:sp>
+    </p:spTree>
+    <p:extLst>
+      <p:ext uri="{BB962C8B-B14F-4D97-AF65-F5344CB8AC3E}">
+        <p14:creationId xmlns:p14="http://schemas.microsoft.com/office/powerpoint/2010/main" val="3521831663"/>
+      </p:ext>
+    </p:extLst>
+  </p:cSld>
+  <p:clrMapOvr>
+    <a:masterClrMapping/>
+  </p:clrMapOvr>
+</p:sld>
+</file>
+
+<file path=ppt/slides/slide16.xml><?xml version="1.0" encoding="utf-8"?>
+<p:sld xmlns:a="http://schemas.openxmlformats.org/drawingml/2006/main" xmlns:r="http://schemas.openxmlformats.org/officeDocument/2006/relationships" xmlns:p="http://schemas.openxmlformats.org/presentationml/2006/main">
+  <p:cSld>
+    <p:spTree>
+      <p:nvGrpSpPr>
+        <p:cNvPr id="1" name=""/>
+        <p:cNvGrpSpPr/>
+        <p:nvPr/>
+      </p:nvGrpSpPr>
+      <p:grpSpPr>
+        <a:xfrm>
+          <a:off x="0" y="0"/>
+          <a:ext cx="0" cy="0"/>
+          <a:chOff x="0" y="0"/>
+          <a:chExt cx="0" cy="0"/>
+        </a:xfrm>
+      </p:grpSpPr>
+      <p:pic>
+        <p:nvPicPr>
+          <p:cNvPr id="3" name="Immagine 3">
+            <a:extLst>
+              <a:ext uri="{FF2B5EF4-FFF2-40B4-BE49-F238E27FC236}">
+                <a16:creationId xmlns:a16="http://schemas.microsoft.com/office/drawing/2014/main" id="{D5C65AFE-435F-EBFA-A454-F3A003E02DF8}"/>
+              </a:ext>
+            </a:extLst>
+          </p:cNvPr>
+          <p:cNvPicPr>
+            <a:picLocks noChangeAspect="1"/>
+          </p:cNvPicPr>
+          <p:nvPr/>
+        </p:nvPicPr>
+        <p:blipFill>
+          <a:blip r:embed="rId2"/>
+          <a:srcRect/>
+          <a:stretch/>
+        </p:blipFill>
+        <p:spPr>
+          <a:xfrm>
+            <a:off x="5049520" y="277317"/>
+            <a:ext cx="6118353" cy="6155810"/>
+          </a:xfrm>
+          <a:prstGeom prst="rect">
+            <a:avLst/>
+          </a:prstGeom>
+          <a:noFill/>
+        </p:spPr>
+      </p:pic>
+      <p:sp>
+        <p:nvSpPr>
+          <p:cNvPr id="2" name="CasellaDiTesto 1">
+            <a:extLst>
+              <a:ext uri="{FF2B5EF4-FFF2-40B4-BE49-F238E27FC236}">
+                <a16:creationId xmlns:a16="http://schemas.microsoft.com/office/drawing/2014/main" id="{9629F5B1-EC69-A92F-80B0-6FD8F0264186}"/>
+              </a:ext>
+            </a:extLst>
+          </p:cNvPr>
+          <p:cNvSpPr txBox="1"/>
+          <p:nvPr/>
+        </p:nvSpPr>
+        <p:spPr>
+          <a:xfrm>
+            <a:off x="1024127" y="424873"/>
+            <a:ext cx="4735541" cy="2165927"/>
+          </a:xfrm>
+          <a:prstGeom prst="rect">
+            <a:avLst/>
+          </a:prstGeom>
+        </p:spPr>
+        <p:txBody>
+          <a:bodyPr rot="0" spcFirstLastPara="0" vertOverflow="overflow" horzOverflow="overflow" vert="horz" lIns="91440" tIns="45720" rIns="91440" bIns="45720" numCol="1" spcCol="0" rtlCol="0" fromWordArt="0" anchor="ctr" anchorCtr="0" forceAA="0" compatLnSpc="1">
+            <a:prstTxWarp prst="textNoShape">
+              <a:avLst/>
+            </a:prstTxWarp>
+            <a:normAutofit/>
+          </a:bodyPr>
+          <a:lstStyle/>
+          <a:p>
+            <a:pPr defTabSz="914400">
+              <a:lnSpc>
+                <a:spcPct val="80000"/>
+              </a:lnSpc>
+              <a:spcBef>
+                <a:spcPct val="0"/>
+              </a:spcBef>
+              <a:spcAft>
+                <a:spcPts val="600"/>
+              </a:spcAft>
+            </a:pPr>
             <a:r>
               <a:rPr lang="it-IT" sz="4000" kern="1200" cap="all" spc="100" baseline="0" dirty="0">
                 <a:solidFill>
@@ -25854,7 +27399,211 @@
                 <a:ea typeface="+mj-ea"/>
                 <a:cs typeface="+mj-cs"/>
               </a:rPr>
-              <a:t>​</a:t>
+              <a:t>Vpnv4 AF</a:t>
+            </a:r>
+          </a:p>
+        </p:txBody>
+      </p:sp>
+      <p:sp>
+        <p:nvSpPr>
+          <p:cNvPr id="4" name="Fumetto: rettangolo con angoli arrotondati 3">
+            <a:extLst>
+              <a:ext uri="{FF2B5EF4-FFF2-40B4-BE49-F238E27FC236}">
+                <a16:creationId xmlns:a16="http://schemas.microsoft.com/office/drawing/2014/main" id="{34207F43-B0D8-82B9-D1B0-000D8F26FAD0}"/>
+              </a:ext>
+            </a:extLst>
+          </p:cNvPr>
+          <p:cNvSpPr/>
+          <p:nvPr/>
+        </p:nvSpPr>
+        <p:spPr>
+          <a:xfrm>
+            <a:off x="834172" y="2010410"/>
+            <a:ext cx="5261828" cy="2084071"/>
+          </a:xfrm>
+          <a:prstGeom prst="wedgeRoundRectCallout">
+            <a:avLst>
+              <a:gd name="adj1" fmla="val 81497"/>
+              <a:gd name="adj2" fmla="val -34501"/>
+              <a:gd name="adj3" fmla="val 16667"/>
+            </a:avLst>
+          </a:prstGeom>
+          <a:solidFill>
+            <a:schemeClr val="tx1">
+              <a:lumMod val="95000"/>
+              <a:lumOff val="5000"/>
+            </a:schemeClr>
+          </a:solidFill>
+        </p:spPr>
+        <p:style>
+          <a:lnRef idx="2">
+            <a:schemeClr val="accent1">
+              <a:shade val="50000"/>
+            </a:schemeClr>
+          </a:lnRef>
+          <a:fillRef idx="1">
+            <a:schemeClr val="accent1"/>
+          </a:fillRef>
+          <a:effectRef idx="0">
+            <a:schemeClr val="accent1"/>
+          </a:effectRef>
+          <a:fontRef idx="minor">
+            <a:schemeClr val="lt1"/>
+          </a:fontRef>
+        </p:style>
+        <p:txBody>
+          <a:bodyPr rtlCol="0" anchor="ctr"/>
+          <a:lstStyle/>
+          <a:p>
+            <a:r>
+              <a:rPr lang="en-US" dirty="0"/>
+              <a:t>router </a:t>
+            </a:r>
+            <a:r>
+              <a:rPr lang="en-US" dirty="0" err="1"/>
+              <a:t>bgp</a:t>
+            </a:r>
+            <a:r>
+              <a:rPr lang="en-US" dirty="0"/>
+              <a:t> 100</a:t>
+            </a:r>
+          </a:p>
+          <a:p>
+            <a:r>
+              <a:rPr lang="en-US" dirty="0"/>
+              <a:t>neighbor 1.255.0.4 remote-as 100</a:t>
+            </a:r>
+          </a:p>
+          <a:p>
+            <a:r>
+              <a:rPr lang="en-US" dirty="0"/>
+              <a:t>neighbor 1.255.0.4 update-source Loopback0</a:t>
+            </a:r>
+          </a:p>
+          <a:p>
+            <a:r>
+              <a:rPr lang="en-US" dirty="0"/>
+              <a:t>address-family vpnv4</a:t>
+            </a:r>
+          </a:p>
+          <a:p>
+            <a:r>
+              <a:rPr lang="en-US" dirty="0"/>
+              <a:t>	neighbor 1.255.0.4 activate</a:t>
+            </a:r>
+          </a:p>
+          <a:p>
+            <a:r>
+              <a:rPr lang="en-US" dirty="0"/>
+              <a:t>	neighbor 1.255.0.4 send-community extended</a:t>
+            </a:r>
+          </a:p>
+          <a:p>
+            <a:r>
+              <a:rPr lang="en-US" dirty="0"/>
+              <a:t>exit-address-family</a:t>
+            </a:r>
+          </a:p>
+        </p:txBody>
+      </p:sp>
+      <p:sp>
+        <p:nvSpPr>
+          <p:cNvPr id="7" name="Fumetto: rettangolo con angoli arrotondati 6">
+            <a:extLst>
+              <a:ext uri="{FF2B5EF4-FFF2-40B4-BE49-F238E27FC236}">
+                <a16:creationId xmlns:a16="http://schemas.microsoft.com/office/drawing/2014/main" id="{07977AE4-0622-58E0-351F-D75FCBD56880}"/>
+              </a:ext>
+            </a:extLst>
+          </p:cNvPr>
+          <p:cNvSpPr/>
+          <p:nvPr/>
+        </p:nvSpPr>
+        <p:spPr>
+          <a:xfrm>
+            <a:off x="1757680" y="4622800"/>
+            <a:ext cx="5261828" cy="2084071"/>
+          </a:xfrm>
+          <a:prstGeom prst="wedgeRoundRectCallout">
+            <a:avLst>
+              <a:gd name="adj1" fmla="val 63816"/>
+              <a:gd name="adj2" fmla="val -58347"/>
+              <a:gd name="adj3" fmla="val 16667"/>
+            </a:avLst>
+          </a:prstGeom>
+          <a:solidFill>
+            <a:schemeClr val="tx1">
+              <a:lumMod val="95000"/>
+              <a:lumOff val="5000"/>
+            </a:schemeClr>
+          </a:solidFill>
+        </p:spPr>
+        <p:style>
+          <a:lnRef idx="2">
+            <a:schemeClr val="accent1">
+              <a:shade val="50000"/>
+            </a:schemeClr>
+          </a:lnRef>
+          <a:fillRef idx="1">
+            <a:schemeClr val="accent1"/>
+          </a:fillRef>
+          <a:effectRef idx="0">
+            <a:schemeClr val="accent1"/>
+          </a:effectRef>
+          <a:fontRef idx="minor">
+            <a:schemeClr val="lt1"/>
+          </a:fontRef>
+        </p:style>
+        <p:txBody>
+          <a:bodyPr rtlCol="0" anchor="ctr"/>
+          <a:lstStyle/>
+          <a:p>
+            <a:r>
+              <a:rPr lang="en-US" dirty="0"/>
+              <a:t>router </a:t>
+            </a:r>
+            <a:r>
+              <a:rPr lang="en-US" dirty="0" err="1"/>
+              <a:t>bgp</a:t>
+            </a:r>
+            <a:r>
+              <a:rPr lang="en-US" dirty="0"/>
+              <a:t> 100</a:t>
+            </a:r>
+          </a:p>
+          <a:p>
+            <a:r>
+              <a:rPr lang="en-US" dirty="0"/>
+              <a:t>neighbor 1.255.0.3 remote-as 100</a:t>
+            </a:r>
+          </a:p>
+          <a:p>
+            <a:r>
+              <a:rPr lang="en-US" dirty="0"/>
+              <a:t>neighbor 1.255.0.3 update-source Loopback0</a:t>
+            </a:r>
+          </a:p>
+          <a:p>
+            <a:r>
+              <a:rPr lang="en-US" dirty="0"/>
+              <a:t>address-family vpnv4</a:t>
+            </a:r>
+          </a:p>
+          <a:p>
+            <a:r>
+              <a:rPr lang="en-US" dirty="0"/>
+              <a:t>	neighbor 1.255.0.3 activate</a:t>
+            </a:r>
+          </a:p>
+          <a:p>
+            <a:r>
+              <a:rPr lang="en-US" dirty="0"/>
+              <a:t>	neighbor 1.255.0.3 send-community extended</a:t>
+            </a:r>
+          </a:p>
+          <a:p>
+            <a:r>
+              <a:rPr lang="en-US" dirty="0"/>
+              <a:t>exit-address-family</a:t>
             </a:r>
           </a:p>
         </p:txBody>
@@ -25862,7 +27611,7 @@
     </p:spTree>
     <p:extLst>
       <p:ext uri="{BB962C8B-B14F-4D97-AF65-F5344CB8AC3E}">
-        <p14:creationId xmlns:p14="http://schemas.microsoft.com/office/powerpoint/2010/main" val="2853148810"/>
+        <p14:creationId xmlns:p14="http://schemas.microsoft.com/office/powerpoint/2010/main" val="1869161514"/>
       </p:ext>
     </p:extLst>
   </p:cSld>
@@ -26325,13 +28074,13 @@
         </p:nvSpPr>
         <p:spPr>
           <a:xfrm>
-            <a:off x="5696628" y="659340"/>
-            <a:ext cx="4389120" cy="4174836"/>
+            <a:off x="5696628" y="734290"/>
+            <a:ext cx="4389120" cy="4099885"/>
           </a:xfrm>
           <a:prstGeom prst="wedgeRoundRectCallout">
             <a:avLst>
-              <a:gd name="adj1" fmla="val -82527"/>
-              <a:gd name="adj2" fmla="val 24291"/>
+              <a:gd name="adj1" fmla="val -84147"/>
+              <a:gd name="adj2" fmla="val 20326"/>
               <a:gd name="adj3" fmla="val 16667"/>
             </a:avLst>
           </a:prstGeom>
@@ -26416,7 +28165,7 @@
           <a:p>
             <a:r>
               <a:rPr lang="en-US" dirty="0"/>
-              <a:t> no shutdown</a:t>
+              <a:t>no shutdown</a:t>
             </a:r>
           </a:p>
           <a:p>
@@ -26595,8 +28344,8 @@
         </p:nvSpPr>
         <p:spPr>
           <a:xfrm>
-            <a:off x="1936092" y="944880"/>
-            <a:ext cx="4076417" cy="5801360"/>
+            <a:off x="1910080" y="1270000"/>
+            <a:ext cx="4185920" cy="5163127"/>
           </a:xfrm>
           <a:prstGeom prst="wedgeRoundRectCallout">
             <a:avLst>
@@ -26680,7 +28429,7 @@
           <a:p>
             <a:r>
               <a:rPr lang="en-US" dirty="0"/>
-              <a:t> no shutdown</a:t>
+              <a:t>no shutdown</a:t>
             </a:r>
           </a:p>
           <a:p>
@@ -26712,12 +28461,22 @@
           <a:p>
             <a:r>
               <a:rPr lang="en-US" dirty="0"/>
-              <a:t> </a:t>
-            </a:r>
-            <a:r>
-              <a:rPr lang="en-US" dirty="0" err="1"/>
-              <a:t>mpls</a:t>
-            </a:r>
+              <a:t>no shutdown</a:t>
+            </a:r>
+          </a:p>
+          <a:p>
+            <a:r>
+              <a:rPr lang="en-US" dirty="0"/>
+              <a:t>!</a:t>
+            </a:r>
+          </a:p>
+          <a:p>
+            <a:r>
+              <a:rPr lang="en-US" dirty="0"/>
+              <a:t>interface GigabitEthernet2/0</a:t>
+            </a:r>
+          </a:p>
+          <a:p>
             <a:r>
               <a:rPr lang="en-US" dirty="0"/>
               <a:t> </a:t>
@@ -26726,35 +28485,6 @@
               <a:rPr lang="en-US" dirty="0" err="1"/>
               <a:t>ip</a:t>
             </a:r>
-            <a:endParaRPr lang="en-US" dirty="0"/>
-          </a:p>
-          <a:p>
-            <a:r>
-              <a:rPr lang="en-US" dirty="0"/>
-              <a:t> no shutdown</a:t>
-            </a:r>
-          </a:p>
-          <a:p>
-            <a:r>
-              <a:rPr lang="en-US" dirty="0"/>
-              <a:t>!</a:t>
-            </a:r>
-          </a:p>
-          <a:p>
-            <a:r>
-              <a:rPr lang="en-US" dirty="0"/>
-              <a:t>interface GigabitEthernet2/0</a:t>
-            </a:r>
-          </a:p>
-          <a:p>
-            <a:r>
-              <a:rPr lang="en-US" dirty="0"/>
-              <a:t> </a:t>
-            </a:r>
-            <a:r>
-              <a:rPr lang="en-US" dirty="0" err="1"/>
-              <a:t>ip</a:t>
-            </a:r>
             <a:r>
               <a:rPr lang="en-US" dirty="0"/>
               <a:t> address 1.3.0.1 255.255.255.252</a:t>
@@ -26763,26 +28493,7 @@
           <a:p>
             <a:r>
               <a:rPr lang="en-US" dirty="0"/>
-              <a:t> </a:t>
-            </a:r>
-            <a:r>
-              <a:rPr lang="en-US" dirty="0" err="1"/>
-              <a:t>mpls</a:t>
-            </a:r>
-            <a:r>
-              <a:rPr lang="en-US" dirty="0"/>
-              <a:t> </a:t>
-            </a:r>
-            <a:r>
-              <a:rPr lang="en-US" dirty="0" err="1"/>
-              <a:t>ip</a:t>
-            </a:r>
-            <a:endParaRPr lang="en-US" dirty="0"/>
-          </a:p>
-          <a:p>
-            <a:r>
-              <a:rPr lang="en-US" dirty="0"/>
-              <a:t> no shutdown</a:t>
+              <a:t>no shutdown</a:t>
             </a:r>
           </a:p>
           <a:p>
@@ -26817,8 +28528,8 @@
         </p:nvSpPr>
         <p:spPr>
           <a:xfrm>
-            <a:off x="6270886" y="582383"/>
-            <a:ext cx="3808686" cy="1987446"/>
+            <a:off x="6270886" y="424873"/>
+            <a:ext cx="3808686" cy="2144956"/>
           </a:xfrm>
           <a:prstGeom prst="wedgeRoundRectCallout">
             <a:avLst>
@@ -28393,13 +30104,13 @@
         </p:nvSpPr>
         <p:spPr>
           <a:xfrm>
-            <a:off x="7118588" y="91440"/>
-            <a:ext cx="3590904" cy="4704080"/>
+            <a:off x="7599680" y="424873"/>
+            <a:ext cx="4301252" cy="3811847"/>
           </a:xfrm>
           <a:prstGeom prst="wedgeRoundRectCallout">
             <a:avLst>
-              <a:gd name="adj1" fmla="val -78599"/>
-              <a:gd name="adj2" fmla="val -5162"/>
+              <a:gd name="adj1" fmla="val -88520"/>
+              <a:gd name="adj2" fmla="val -6696"/>
               <a:gd name="adj3" fmla="val 16667"/>
             </a:avLst>
           </a:prstGeom>
@@ -28477,22 +30188,42 @@
           </a:p>
           <a:p>
             <a:r>
-              <a:rPr lang="en-US" dirty="0"/>
+              <a:rPr lang="en-US" dirty="0">
+                <a:solidFill>
+                  <a:schemeClr val="bg1"/>
+                </a:solidFill>
+              </a:rPr>
               <a:t> </a:t>
             </a:r>
             <a:r>
-              <a:rPr lang="en-US" dirty="0" err="1"/>
+              <a:rPr lang="en-US" dirty="0" err="1">
+                <a:solidFill>
+                  <a:schemeClr val="bg1"/>
+                </a:solidFill>
+              </a:rPr>
               <a:t>mpls</a:t>
             </a:r>
             <a:r>
-              <a:rPr lang="en-US" dirty="0"/>
+              <a:rPr lang="en-US" dirty="0">
+                <a:solidFill>
+                  <a:schemeClr val="bg1"/>
+                </a:solidFill>
+              </a:rPr>
               <a:t> </a:t>
             </a:r>
             <a:r>
-              <a:rPr lang="en-US" dirty="0" err="1"/>
+              <a:rPr lang="en-US" dirty="0" err="1">
+                <a:solidFill>
+                  <a:schemeClr val="bg1"/>
+                </a:solidFill>
+              </a:rPr>
               <a:t>ip</a:t>
             </a:r>
-            <a:endParaRPr lang="en-US" dirty="0"/>
+            <a:endParaRPr lang="en-US" dirty="0">
+              <a:solidFill>
+                <a:schemeClr val="bg1"/>
+              </a:solidFill>
+            </a:endParaRPr>
           </a:p>
           <a:p>
             <a:r>
@@ -28513,37 +30244,6 @@
             </a:r>
           </a:p>
           <a:p>
-            <a:r>
-              <a:rPr lang="en-US" dirty="0"/>
-              <a:t> </a:t>
-            </a:r>
-            <a:r>
-              <a:rPr lang="en-US" dirty="0" err="1"/>
-              <a:t>ip</a:t>
-            </a:r>
-            <a:r>
-              <a:rPr lang="en-US" dirty="0"/>
-              <a:t> </a:t>
-            </a:r>
-            <a:r>
-              <a:rPr lang="en-US" dirty="0" err="1"/>
-              <a:t>vrf</a:t>
-            </a:r>
-            <a:r>
-              <a:rPr lang="en-US" dirty="0"/>
-              <a:t> forwarding </a:t>
-            </a:r>
-            <a:r>
-              <a:rPr lang="en-US" dirty="0" err="1"/>
-              <a:t>vpnA</a:t>
-            </a:r>
-            <a:endParaRPr lang="en-US" dirty="0"/>
-          </a:p>
-          <a:p>
-            <a:r>
-              <a:rPr lang="en-US" dirty="0"/>
-              <a:t> </a:t>
-            </a:r>
             <a:r>
               <a:rPr lang="en-US" dirty="0" err="1"/>
               <a:t>ip</a:t>
@@ -28581,13 +30281,13 @@
         </p:nvSpPr>
         <p:spPr>
           <a:xfrm>
-            <a:off x="879562" y="1902920"/>
-            <a:ext cx="3590904" cy="4629960"/>
+            <a:off x="291068" y="2448560"/>
+            <a:ext cx="4389120" cy="3891280"/>
           </a:xfrm>
           <a:prstGeom prst="wedgeRoundRectCallout">
             <a:avLst>
-              <a:gd name="adj1" fmla="val 80695"/>
-              <a:gd name="adj2" fmla="val 31901"/>
+              <a:gd name="adj1" fmla="val 73749"/>
+              <a:gd name="adj2" fmla="val 34138"/>
               <a:gd name="adj3" fmla="val 16667"/>
             </a:avLst>
           </a:prstGeom>
@@ -28665,22 +30365,42 @@
           </a:p>
           <a:p>
             <a:r>
-              <a:rPr lang="en-US" dirty="0"/>
+              <a:rPr lang="en-US" dirty="0">
+                <a:solidFill>
+                  <a:schemeClr val="bg1"/>
+                </a:solidFill>
+              </a:rPr>
               <a:t> </a:t>
             </a:r>
             <a:r>
-              <a:rPr lang="en-US" dirty="0" err="1"/>
+              <a:rPr lang="en-US" dirty="0" err="1">
+                <a:solidFill>
+                  <a:schemeClr val="bg1"/>
+                </a:solidFill>
+              </a:rPr>
               <a:t>mpls</a:t>
             </a:r>
             <a:r>
-              <a:rPr lang="en-US" dirty="0"/>
+              <a:rPr lang="en-US" dirty="0">
+                <a:solidFill>
+                  <a:schemeClr val="bg1"/>
+                </a:solidFill>
+              </a:rPr>
               <a:t> </a:t>
             </a:r>
             <a:r>
-              <a:rPr lang="en-US" dirty="0" err="1"/>
+              <a:rPr lang="en-US" dirty="0" err="1">
+                <a:solidFill>
+                  <a:schemeClr val="bg1"/>
+                </a:solidFill>
+              </a:rPr>
               <a:t>ip</a:t>
             </a:r>
-            <a:endParaRPr lang="en-US" dirty="0"/>
+            <a:endParaRPr lang="en-US" dirty="0">
+              <a:solidFill>
+                <a:schemeClr val="bg1"/>
+              </a:solidFill>
+            </a:endParaRPr>
           </a:p>
           <a:p>
             <a:r>
@@ -28701,37 +30421,6 @@
             </a:r>
           </a:p>
           <a:p>
-            <a:r>
-              <a:rPr lang="en-US" dirty="0"/>
-              <a:t> </a:t>
-            </a:r>
-            <a:r>
-              <a:rPr lang="en-US" dirty="0" err="1"/>
-              <a:t>ip</a:t>
-            </a:r>
-            <a:r>
-              <a:rPr lang="en-US" dirty="0"/>
-              <a:t> </a:t>
-            </a:r>
-            <a:r>
-              <a:rPr lang="en-US" dirty="0" err="1"/>
-              <a:t>vrf</a:t>
-            </a:r>
-            <a:r>
-              <a:rPr lang="en-US" dirty="0"/>
-              <a:t> forwarding </a:t>
-            </a:r>
-            <a:r>
-              <a:rPr lang="en-US" dirty="0" err="1"/>
-              <a:t>vpnA</a:t>
-            </a:r>
-            <a:endParaRPr lang="en-US" dirty="0"/>
-          </a:p>
-          <a:p>
-            <a:r>
-              <a:rPr lang="en-US" dirty="0"/>
-              <a:t> </a:t>
-            </a:r>
             <a:r>
               <a:rPr lang="en-US" dirty="0" err="1"/>
               <a:t>ip</a:t>
@@ -29593,18 +31282,18 @@
 </file>
 
 <file path=customXml/item1.xml><?xml version="1.0" encoding="utf-8"?>
-<p:properties xmlns:p="http://schemas.microsoft.com/office/2006/metadata/properties" xmlns:xsi="http://www.w3.org/2001/XMLSchema-instance" xmlns:pc="http://schemas.microsoft.com/office/infopath/2007/PartnerControls">
-  <documentManagement/>
-</p:properties>
-</file>
-
-<file path=customXml/item2.xml><?xml version="1.0" encoding="utf-8"?>
 <?mso-contentType ?>
 <FormTemplates xmlns="http://schemas.microsoft.com/sharepoint/v3/contenttype/forms">
   <Display>DocumentLibraryForm</Display>
   <Edit>DocumentLibraryForm</Edit>
   <New>DocumentLibraryForm</New>
 </FormTemplates>
+</file>
+
+<file path=customXml/item2.xml><?xml version="1.0" encoding="utf-8"?>
+<p:properties xmlns:p="http://schemas.microsoft.com/office/2006/metadata/properties" xmlns:xsi="http://www.w3.org/2001/XMLSchema-instance" xmlns:pc="http://schemas.microsoft.com/office/infopath/2007/PartnerControls">
+  <documentManagement/>
+</p:properties>
 </file>
 
 <file path=customXml/item3.xml><?xml version="1.0" encoding="utf-8"?>
@@ -29817,6 +31506,14 @@
 </file>
 
 <file path=customXml/itemProps1.xml><?xml version="1.0" encoding="utf-8"?>
+<ds:datastoreItem xmlns:ds="http://schemas.openxmlformats.org/officeDocument/2006/customXml" ds:itemID="{4F44C90D-2A62-4985-9618-3460247437B1}">
+  <ds:schemaRefs>
+    <ds:schemaRef ds:uri="http://schemas.microsoft.com/sharepoint/v3/contenttype/forms"/>
+  </ds:schemaRefs>
+</ds:datastoreItem>
+</file>
+
+<file path=customXml/itemProps2.xml><?xml version="1.0" encoding="utf-8"?>
 <ds:datastoreItem xmlns:ds="http://schemas.openxmlformats.org/officeDocument/2006/customXml" ds:itemID="{788A2F88-55C5-4ED1-9541-807C65424763}">
   <ds:schemaRefs>
     <ds:schemaRef ds:uri="http://purl.org/dc/dcmitype/"/>
@@ -29829,14 +31526,6 @@
     <ds:schemaRef ds:uri="http://schemas.openxmlformats.org/package/2006/metadata/core-properties"/>
     <ds:schemaRef ds:uri="835fbd07-a3b3-49bb-be66-70693cc02c94"/>
     <ds:schemaRef ds:uri="http://schemas.microsoft.com/office/2006/metadata/properties"/>
-  </ds:schemaRefs>
-</ds:datastoreItem>
-</file>
-
-<file path=customXml/itemProps2.xml><?xml version="1.0" encoding="utf-8"?>
-<ds:datastoreItem xmlns:ds="http://schemas.openxmlformats.org/officeDocument/2006/customXml" ds:itemID="{4F44C90D-2A62-4985-9618-3460247437B1}">
-  <ds:schemaRefs>
-    <ds:schemaRef ds:uri="http://schemas.microsoft.com/sharepoint/v3/contenttype/forms"/>
   </ds:schemaRefs>
 </ds:datastoreItem>
 </file>
